--- a/Apex-Project.pptx
+++ b/Apex-Project.pptx
@@ -5,7 +5,7 @@
     <p:sldMasterId id="2147483659" r:id="rId1"/>
   </p:sldMasterIdLst>
   <p:notesMasterIdLst>
-    <p:notesMasterId r:id="rId13"/>
+    <p:notesMasterId r:id="rId17"/>
   </p:notesMasterIdLst>
   <p:sldIdLst>
     <p:sldId id="256" r:id="rId2"/>
@@ -13,12 +13,16 @@
     <p:sldId id="258" r:id="rId4"/>
     <p:sldId id="259" r:id="rId5"/>
     <p:sldId id="260" r:id="rId6"/>
-    <p:sldId id="261" r:id="rId7"/>
-    <p:sldId id="262" r:id="rId8"/>
-    <p:sldId id="263" r:id="rId9"/>
-    <p:sldId id="264" r:id="rId10"/>
-    <p:sldId id="265" r:id="rId11"/>
-    <p:sldId id="266" r:id="rId12"/>
+    <p:sldId id="267" r:id="rId7"/>
+    <p:sldId id="268" r:id="rId8"/>
+    <p:sldId id="269" r:id="rId9"/>
+    <p:sldId id="261" r:id="rId10"/>
+    <p:sldId id="270" r:id="rId11"/>
+    <p:sldId id="262" r:id="rId12"/>
+    <p:sldId id="263" r:id="rId13"/>
+    <p:sldId id="264" r:id="rId14"/>
+    <p:sldId id="265" r:id="rId15"/>
+    <p:sldId id="266" r:id="rId16"/>
   </p:sldIdLst>
   <p:sldSz cx="9144000" cy="5143500" type="screen16x9"/>
   <p:notesSz cx="6858000" cy="9144000"/>
@@ -1290,7 +1294,7 @@
         </p:nvSpPr>
         <p:spPr>
           <a:xfrm>
-            <a:off x="381300" y="685800"/>
+            <a:off x="381000" y="685800"/>
             <a:ext cx="6096000" cy="3429000"/>
           </a:xfrm>
           <a:custGeom>
@@ -1512,7 +1516,7 @@
         </p:nvSpPr>
         <p:spPr>
           <a:xfrm>
-            <a:off x="381300" y="685800"/>
+            <a:off x="381000" y="685800"/>
             <a:ext cx="6096000" cy="3429000"/>
           </a:xfrm>
           <a:custGeom>
@@ -5213,6 +5217,533 @@
   <p:cSld>
     <p:spTree>
       <p:nvGrpSpPr>
+        <p:cNvPr id="1" name=""/>
+        <p:cNvGrpSpPr/>
+        <p:nvPr/>
+      </p:nvGrpSpPr>
+      <p:grpSpPr>
+        <a:xfrm>
+          <a:off x="0" y="0"/>
+          <a:ext cx="0" cy="0"/>
+          <a:chOff x="0" y="0"/>
+          <a:chExt cx="0" cy="0"/>
+        </a:xfrm>
+      </p:grpSpPr>
+      <p:sp>
+        <p:nvSpPr>
+          <p:cNvPr id="2" name="Title 1"/>
+          <p:cNvSpPr>
+            <a:spLocks noGrp="1"/>
+          </p:cNvSpPr>
+          <p:nvPr>
+            <p:ph type="title"/>
+          </p:nvPr>
+        </p:nvSpPr>
+        <p:spPr/>
+        <p:txBody>
+          <a:bodyPr/>
+          <a:lstStyle/>
+          <a:p>
+            <a:pPr algn="ctr"/>
+            <a:r>
+              <a:rPr lang="en-US" dirty="0" smtClean="0"/>
+              <a:t>Part 2: League of Legends Schema</a:t>
+            </a:r>
+            <a:endParaRPr lang="en-US" dirty="0"/>
+          </a:p>
+        </p:txBody>
+      </p:sp>
+      <p:sp>
+        <p:nvSpPr>
+          <p:cNvPr id="3" name="Text Placeholder 2"/>
+          <p:cNvSpPr>
+            <a:spLocks noGrp="1"/>
+          </p:cNvSpPr>
+          <p:nvPr>
+            <p:ph type="body" idx="1"/>
+          </p:nvPr>
+        </p:nvSpPr>
+        <p:spPr/>
+        <p:txBody>
+          <a:bodyPr/>
+          <a:lstStyle/>
+          <a:p>
+            <a:endParaRPr lang="en-US" dirty="0"/>
+          </a:p>
+        </p:txBody>
+      </p:sp>
+      <p:pic>
+        <p:nvPicPr>
+          <p:cNvPr id="5" name="Picture 4"/>
+          <p:cNvPicPr>
+            <a:picLocks noChangeAspect="1"/>
+          </p:cNvPicPr>
+          <p:nvPr/>
+        </p:nvPicPr>
+        <p:blipFill>
+          <a:blip r:embed="rId2"/>
+          <a:stretch>
+            <a:fillRect/>
+          </a:stretch>
+        </p:blipFill>
+        <p:spPr>
+          <a:xfrm>
+            <a:off x="3418408" y="2055852"/>
+            <a:ext cx="4258470" cy="2513023"/>
+          </a:xfrm>
+          <a:prstGeom prst="rect">
+            <a:avLst/>
+          </a:prstGeom>
+        </p:spPr>
+      </p:pic>
+      <p:pic>
+        <p:nvPicPr>
+          <p:cNvPr id="4" name="Picture 3"/>
+          <p:cNvPicPr>
+            <a:picLocks noChangeAspect="1"/>
+          </p:cNvPicPr>
+          <p:nvPr/>
+        </p:nvPicPr>
+        <p:blipFill>
+          <a:blip r:embed="rId3"/>
+          <a:stretch>
+            <a:fillRect/>
+          </a:stretch>
+        </p:blipFill>
+        <p:spPr>
+          <a:xfrm>
+            <a:off x="311700" y="1152475"/>
+            <a:ext cx="3603235" cy="2126353"/>
+          </a:xfrm>
+          <a:prstGeom prst="rect">
+            <a:avLst/>
+          </a:prstGeom>
+        </p:spPr>
+      </p:pic>
+    </p:spTree>
+  </p:cSld>
+  <p:clrMapOvr>
+    <a:masterClrMapping/>
+  </p:clrMapOvr>
+  <p:timing>
+    <p:tnLst>
+      <p:par>
+        <p:cTn id="1" dur="indefinite" restart="never" nodeType="tmRoot"/>
+      </p:par>
+    </p:tnLst>
+  </p:timing>
+</p:sld>
+</file>
+
+<file path=ppt/slides/slide11.xml><?xml version="1.0" encoding="utf-8"?>
+<p:sld xmlns:a="http://schemas.openxmlformats.org/drawingml/2006/main" xmlns:r="http://schemas.openxmlformats.org/officeDocument/2006/relationships" xmlns:mc="http://schemas.openxmlformats.org/markup-compatibility/2006" xmlns:mv="urn:schemas-microsoft-com:mac:vml" xmlns:p="http://schemas.openxmlformats.org/presentationml/2006/main" mc:Ignorable="mv" mc:PreserveAttributes="mv:*">
+  <p:cSld>
+    <p:spTree>
+      <p:nvGrpSpPr>
+        <p:cNvPr id="1" name="Shape 102"/>
+        <p:cNvGrpSpPr/>
+        <p:nvPr/>
+      </p:nvGrpSpPr>
+      <p:grpSpPr>
+        <a:xfrm>
+          <a:off x="0" y="0"/>
+          <a:ext cx="0" cy="0"/>
+          <a:chOff x="0" y="0"/>
+          <a:chExt cx="0" cy="0"/>
+        </a:xfrm>
+      </p:grpSpPr>
+      <p:sp>
+        <p:nvSpPr>
+          <p:cNvPr id="103" name="Shape 103"/>
+          <p:cNvSpPr txBox="1"/>
+          <p:nvPr/>
+        </p:nvSpPr>
+        <p:spPr>
+          <a:xfrm>
+            <a:off x="1019575" y="245225"/>
+            <a:ext cx="7175700" cy="1161599"/>
+          </a:xfrm>
+          <a:prstGeom prst="rect">
+            <a:avLst/>
+          </a:prstGeom>
+          <a:noFill/>
+          <a:ln>
+            <a:noFill/>
+          </a:ln>
+        </p:spPr>
+        <p:txBody>
+          <a:bodyPr lIns="91425" tIns="91425" rIns="91425" bIns="91425" anchor="t" anchorCtr="0">
+            <a:noAutofit/>
+          </a:bodyPr>
+          <a:lstStyle/>
+          <a:p>
+            <a:pPr algn="ctr">
+              <a:spcBef>
+                <a:spcPts val="0"/>
+              </a:spcBef>
+              <a:buNone/>
+            </a:pPr>
+            <a:r>
+              <a:rPr lang="en" sz="3600"/>
+              <a:t>Part 2 Conceptual </a:t>
+            </a:r>
+          </a:p>
+        </p:txBody>
+      </p:sp>
+      <p:pic>
+        <p:nvPicPr>
+          <p:cNvPr id="104" name="Shape 104"/>
+          <p:cNvPicPr preferRelativeResize="0"/>
+          <p:nvPr/>
+        </p:nvPicPr>
+        <p:blipFill>
+          <a:blip r:embed="rId3">
+            <a:alphaModFix/>
+          </a:blip>
+          <a:stretch>
+            <a:fillRect/>
+          </a:stretch>
+        </p:blipFill>
+        <p:spPr>
+          <a:xfrm>
+            <a:off x="1671637" y="1471612"/>
+            <a:ext cx="5800725" cy="2200275"/>
+          </a:xfrm>
+          <a:prstGeom prst="rect">
+            <a:avLst/>
+          </a:prstGeom>
+          <a:noFill/>
+          <a:ln>
+            <a:noFill/>
+          </a:ln>
+        </p:spPr>
+      </p:pic>
+    </p:spTree>
+  </p:cSld>
+  <p:clrMapOvr>
+    <a:masterClrMapping/>
+  </p:clrMapOvr>
+  <p:transition spd="slow">
+    <p:cut/>
+  </p:transition>
+  <p:timing>
+    <p:tnLst>
+      <p:par>
+        <p:cTn id="1" dur="indefinite" restart="never" nodeType="tmRoot"/>
+      </p:par>
+    </p:tnLst>
+  </p:timing>
+</p:sld>
+</file>
+
+<file path=ppt/slides/slide12.xml><?xml version="1.0" encoding="utf-8"?>
+<p:sld xmlns:a="http://schemas.openxmlformats.org/drawingml/2006/main" xmlns:r="http://schemas.openxmlformats.org/officeDocument/2006/relationships" xmlns:mc="http://schemas.openxmlformats.org/markup-compatibility/2006" xmlns:mv="urn:schemas-microsoft-com:mac:vml" xmlns:p="http://schemas.openxmlformats.org/presentationml/2006/main" mc:Ignorable="mv" mc:PreserveAttributes="mv:*">
+  <p:cSld>
+    <p:spTree>
+      <p:nvGrpSpPr>
+        <p:cNvPr id="1" name="Shape 108"/>
+        <p:cNvGrpSpPr/>
+        <p:nvPr/>
+      </p:nvGrpSpPr>
+      <p:grpSpPr>
+        <a:xfrm>
+          <a:off x="0" y="0"/>
+          <a:ext cx="0" cy="0"/>
+          <a:chOff x="0" y="0"/>
+          <a:chExt cx="0" cy="0"/>
+        </a:xfrm>
+      </p:grpSpPr>
+      <p:sp>
+        <p:nvSpPr>
+          <p:cNvPr id="109" name="Shape 109"/>
+          <p:cNvSpPr txBox="1">
+            <a:spLocks noGrp="1"/>
+          </p:cNvSpPr>
+          <p:nvPr>
+            <p:ph type="title"/>
+          </p:nvPr>
+        </p:nvSpPr>
+        <p:spPr>
+          <a:xfrm>
+            <a:off x="311700" y="158675"/>
+            <a:ext cx="8520599" cy="572699"/>
+          </a:xfrm>
+          <a:prstGeom prst="rect">
+            <a:avLst/>
+          </a:prstGeom>
+        </p:spPr>
+        <p:txBody>
+          <a:bodyPr lIns="91425" tIns="91425" rIns="91425" bIns="91425" anchor="t" anchorCtr="0">
+            <a:noAutofit/>
+          </a:bodyPr>
+          <a:lstStyle/>
+          <a:p>
+            <a:pPr algn="ctr">
+              <a:spcBef>
+                <a:spcPts val="0"/>
+              </a:spcBef>
+              <a:buNone/>
+            </a:pPr>
+            <a:r>
+              <a:rPr lang="en" dirty="0"/>
+              <a:t>League of Legends Champion Database</a:t>
+            </a:r>
+          </a:p>
+        </p:txBody>
+      </p:sp>
+      <p:sp>
+        <p:nvSpPr>
+          <p:cNvPr id="110" name="Shape 110"/>
+          <p:cNvSpPr txBox="1">
+            <a:spLocks noGrp="1"/>
+          </p:cNvSpPr>
+          <p:nvPr>
+            <p:ph type="body" idx="1"/>
+          </p:nvPr>
+        </p:nvSpPr>
+        <p:spPr>
+          <a:xfrm>
+            <a:off x="311700" y="731374"/>
+            <a:ext cx="8520599" cy="3416400"/>
+          </a:xfrm>
+          <a:prstGeom prst="rect">
+            <a:avLst/>
+          </a:prstGeom>
+        </p:spPr>
+        <p:txBody>
+          <a:bodyPr lIns="91425" tIns="91425" rIns="91425" bIns="91425" anchor="t" anchorCtr="0">
+            <a:noAutofit/>
+          </a:bodyPr>
+          <a:lstStyle/>
+          <a:p>
+            <a:pPr marL="457200" lvl="0" indent="-228600" rtl="0">
+              <a:spcBef>
+                <a:spcPts val="0"/>
+              </a:spcBef>
+            </a:pPr>
+            <a:r>
+              <a:rPr lang="en" dirty="0"/>
+              <a:t>Database for League of Legends, a Japanese Anime Cartoon </a:t>
+            </a:r>
+            <a:r>
+              <a:rPr lang="en-US" dirty="0" smtClean="0"/>
+              <a:t>about racing</a:t>
+            </a:r>
+            <a:endParaRPr lang="en" dirty="0"/>
+          </a:p>
+          <a:p>
+            <a:pPr marL="914400" lvl="1" indent="-228600" rtl="0">
+              <a:spcBef>
+                <a:spcPts val="0"/>
+              </a:spcBef>
+            </a:pPr>
+            <a:r>
+              <a:rPr lang="en" dirty="0"/>
+              <a:t>Many Champions race for “bars”</a:t>
+            </a:r>
+          </a:p>
+          <a:p>
+            <a:pPr marL="457200" lvl="0" indent="-228600" rtl="0">
+              <a:spcBef>
+                <a:spcPts val="0"/>
+              </a:spcBef>
+            </a:pPr>
+            <a:r>
+              <a:rPr lang="en" dirty="0"/>
+              <a:t>As Champions race, their stats come into play</a:t>
+            </a:r>
+          </a:p>
+          <a:p>
+            <a:pPr marL="914400" lvl="1" indent="-228600" rtl="0">
+              <a:spcBef>
+                <a:spcPts val="0"/>
+              </a:spcBef>
+            </a:pPr>
+            <a:r>
+              <a:rPr lang="en" dirty="0"/>
+              <a:t>Every Champion, or champ, has a specific role</a:t>
+            </a:r>
+          </a:p>
+          <a:p>
+            <a:pPr marL="914400" lvl="1" indent="-228600" rtl="0">
+              <a:spcBef>
+                <a:spcPts val="0"/>
+              </a:spcBef>
+            </a:pPr>
+            <a:r>
+              <a:rPr lang="en" dirty="0"/>
+              <a:t>Matches are always different, due to champs having specific stats</a:t>
+            </a:r>
+          </a:p>
+          <a:p>
+            <a:pPr marL="457200" lvl="0" indent="-228600" rtl="0">
+              <a:spcBef>
+                <a:spcPts val="0"/>
+              </a:spcBef>
+            </a:pPr>
+            <a:r>
+              <a:rPr lang="en" dirty="0"/>
+              <a:t>Navigate an application built to allow you to see champions, and their stats. </a:t>
+            </a:r>
+          </a:p>
+          <a:p>
+            <a:pPr marL="914400" lvl="1" indent="-228600" rtl="0">
+              <a:spcBef>
+                <a:spcPts val="0"/>
+              </a:spcBef>
+            </a:pPr>
+            <a:r>
+              <a:rPr lang="en" dirty="0"/>
+              <a:t>End user can toggle the viewing of whatever stats you would like to see</a:t>
+            </a:r>
+          </a:p>
+          <a:p>
+            <a:pPr marL="457200" lvl="0" indent="-228600" rtl="0">
+              <a:spcBef>
+                <a:spcPts val="0"/>
+              </a:spcBef>
+            </a:pPr>
+            <a:r>
+              <a:rPr lang="en" dirty="0"/>
+              <a:t>Keep Graphs comparing the stats visually.</a:t>
+            </a:r>
+          </a:p>
+          <a:p>
+            <a:pPr marL="914400" lvl="1" indent="-228600" rtl="0">
+              <a:spcBef>
+                <a:spcPts val="0"/>
+              </a:spcBef>
+            </a:pPr>
+            <a:r>
+              <a:rPr lang="en" dirty="0"/>
+              <a:t>Statistics shown visually for easy comparison.</a:t>
+            </a:r>
+          </a:p>
+          <a:p>
+            <a:pPr lvl="0" rtl="0">
+              <a:spcBef>
+                <a:spcPts val="0"/>
+              </a:spcBef>
+              <a:buNone/>
+            </a:pPr>
+            <a:endParaRPr dirty="0"/>
+          </a:p>
+        </p:txBody>
+      </p:sp>
+    </p:spTree>
+  </p:cSld>
+  <p:clrMapOvr>
+    <a:masterClrMapping/>
+  </p:clrMapOvr>
+  <p:transition spd="slow">
+    <p:cut/>
+  </p:transition>
+  <p:timing>
+    <p:tnLst>
+      <p:par>
+        <p:cTn id="1" dur="indefinite" restart="never" nodeType="tmRoot"/>
+      </p:par>
+    </p:tnLst>
+  </p:timing>
+</p:sld>
+</file>
+
+<file path=ppt/slides/slide13.xml><?xml version="1.0" encoding="utf-8"?>
+<p:sld xmlns:a="http://schemas.openxmlformats.org/drawingml/2006/main" xmlns:r="http://schemas.openxmlformats.org/officeDocument/2006/relationships" xmlns:mc="http://schemas.openxmlformats.org/markup-compatibility/2006" xmlns:mv="urn:schemas-microsoft-com:mac:vml" xmlns:p="http://schemas.openxmlformats.org/presentationml/2006/main" mc:Ignorable="mv" mc:PreserveAttributes="mv:*">
+  <p:cSld>
+    <p:spTree>
+      <p:nvGrpSpPr>
+        <p:cNvPr id="1" name="Shape 114"/>
+        <p:cNvGrpSpPr/>
+        <p:nvPr/>
+      </p:nvGrpSpPr>
+      <p:grpSpPr>
+        <a:xfrm>
+          <a:off x="0" y="0"/>
+          <a:ext cx="0" cy="0"/>
+          <a:chOff x="0" y="0"/>
+          <a:chExt cx="0" cy="0"/>
+        </a:xfrm>
+      </p:grpSpPr>
+      <p:pic>
+        <p:nvPicPr>
+          <p:cNvPr id="115" name="Shape 115"/>
+          <p:cNvPicPr preferRelativeResize="0"/>
+          <p:nvPr/>
+        </p:nvPicPr>
+        <p:blipFill>
+          <a:blip r:embed="rId3">
+            <a:alphaModFix/>
+          </a:blip>
+          <a:stretch>
+            <a:fillRect/>
+          </a:stretch>
+        </p:blipFill>
+        <p:spPr>
+          <a:xfrm>
+            <a:off x="931340" y="0"/>
+            <a:ext cx="2893220" cy="5143502"/>
+          </a:xfrm>
+          <a:prstGeom prst="rect">
+            <a:avLst/>
+          </a:prstGeom>
+          <a:noFill/>
+          <a:ln>
+            <a:noFill/>
+          </a:ln>
+        </p:spPr>
+      </p:pic>
+      <p:pic>
+        <p:nvPicPr>
+          <p:cNvPr id="116" name="Shape 116"/>
+          <p:cNvPicPr preferRelativeResize="0"/>
+          <p:nvPr/>
+        </p:nvPicPr>
+        <p:blipFill>
+          <a:blip r:embed="rId4">
+            <a:alphaModFix/>
+          </a:blip>
+          <a:stretch>
+            <a:fillRect/>
+          </a:stretch>
+        </p:blipFill>
+        <p:spPr>
+          <a:xfrm>
+            <a:off x="5358140" y="0"/>
+            <a:ext cx="2893220" cy="5143502"/>
+          </a:xfrm>
+          <a:prstGeom prst="rect">
+            <a:avLst/>
+          </a:prstGeom>
+          <a:noFill/>
+          <a:ln>
+            <a:noFill/>
+          </a:ln>
+        </p:spPr>
+      </p:pic>
+    </p:spTree>
+  </p:cSld>
+  <p:clrMapOvr>
+    <a:masterClrMapping/>
+  </p:clrMapOvr>
+  <p:transition spd="slow">
+    <p:cut/>
+  </p:transition>
+  <p:timing>
+    <p:tnLst>
+      <p:par>
+        <p:cTn id="1" dur="indefinite" restart="never" nodeType="tmRoot"/>
+      </p:par>
+    </p:tnLst>
+  </p:timing>
+</p:sld>
+</file>
+
+<file path=ppt/slides/slide14.xml><?xml version="1.0" encoding="utf-8"?>
+<p:sld xmlns:a="http://schemas.openxmlformats.org/drawingml/2006/main" xmlns:r="http://schemas.openxmlformats.org/officeDocument/2006/relationships" xmlns:mc="http://schemas.openxmlformats.org/markup-compatibility/2006" xmlns:mv="urn:schemas-microsoft-com:mac:vml" xmlns:p="http://schemas.openxmlformats.org/presentationml/2006/main" mc:Ignorable="mv" mc:PreserveAttributes="mv:*">
+  <p:cSld>
+    <p:spTree>
+      <p:nvGrpSpPr>
         <p:cNvPr id="1" name="Shape 120"/>
         <p:cNvGrpSpPr/>
         <p:nvPr/>
@@ -5299,7 +5830,7 @@
 </p:sld>
 </file>
 
-<file path=ppt/slides/slide11.xml><?xml version="1.0" encoding="utf-8"?>
+<file path=ppt/slides/slide15.xml><?xml version="1.0" encoding="utf-8"?>
 <p:sld xmlns:a="http://schemas.openxmlformats.org/drawingml/2006/main" xmlns:r="http://schemas.openxmlformats.org/officeDocument/2006/relationships" xmlns:mc="http://schemas.openxmlformats.org/markup-compatibility/2006" xmlns:mv="urn:schemas-microsoft-com:mac:vml" xmlns:p="http://schemas.openxmlformats.org/presentationml/2006/main" mc:Ignorable="mv" mc:PreserveAttributes="mv:*">
   <p:cSld>
     <p:spTree>
@@ -5448,7 +5979,7 @@
         </p:blipFill>
         <p:spPr>
           <a:xfrm>
-            <a:off x="1256860" y="0"/>
+            <a:off x="1083180" y="54270"/>
             <a:ext cx="6972301" cy="5143500"/>
           </a:xfrm>
           <a:prstGeom prst="rect">
@@ -5456,6 +5987,44 @@
           </a:prstGeom>
         </p:spPr>
       </p:pic>
+      <p:sp>
+        <p:nvSpPr>
+          <p:cNvPr id="4" name="TextBox 3"/>
+          <p:cNvSpPr txBox="1"/>
+          <p:nvPr/>
+        </p:nvSpPr>
+        <p:spPr>
+          <a:xfrm>
+            <a:off x="162824" y="146970"/>
+            <a:ext cx="1774669" cy="738664"/>
+          </a:xfrm>
+          <a:prstGeom prst="rect">
+            <a:avLst/>
+          </a:prstGeom>
+          <a:noFill/>
+        </p:spPr>
+        <p:txBody>
+          <a:bodyPr wrap="square" rtlCol="0">
+            <a:spAutoFit/>
+          </a:bodyPr>
+          <a:lstStyle/>
+          <a:p>
+            <a:pPr algn="ctr"/>
+            <a:r>
+              <a:rPr lang="en-US" sz="2100" dirty="0" smtClean="0"/>
+              <a:t>Conceptual </a:t>
+            </a:r>
+          </a:p>
+          <a:p>
+            <a:pPr algn="ctr"/>
+            <a:r>
+              <a:rPr lang="en-US" sz="2100" dirty="0" smtClean="0"/>
+              <a:t>Model</a:t>
+            </a:r>
+            <a:endParaRPr lang="en-US" sz="2100" dirty="0"/>
+          </a:p>
+        </p:txBody>
+      </p:sp>
     </p:spTree>
   </p:cSld>
   <p:clrMapOvr>
@@ -5501,20 +6070,59 @@
         </p:nvPicPr>
         <p:blipFill>
           <a:blip r:embed="rId3"/>
+          <a:srcRect l="1475"/>
           <a:stretch>
             <a:fillRect/>
           </a:stretch>
         </p:blipFill>
         <p:spPr>
           <a:xfrm>
-            <a:off x="559012" y="0"/>
-            <a:ext cx="7673975" cy="5143500"/>
+            <a:off x="639651" y="43416"/>
+            <a:ext cx="7560771" cy="5143500"/>
           </a:xfrm>
           <a:prstGeom prst="rect">
             <a:avLst/>
           </a:prstGeom>
         </p:spPr>
       </p:pic>
+      <p:sp>
+        <p:nvSpPr>
+          <p:cNvPr id="4" name="TextBox 3"/>
+          <p:cNvSpPr txBox="1"/>
+          <p:nvPr/>
+        </p:nvSpPr>
+        <p:spPr>
+          <a:xfrm>
+            <a:off x="162824" y="146970"/>
+            <a:ext cx="1774669" cy="738664"/>
+          </a:xfrm>
+          <a:prstGeom prst="rect">
+            <a:avLst/>
+          </a:prstGeom>
+          <a:noFill/>
+        </p:spPr>
+        <p:txBody>
+          <a:bodyPr wrap="square" rtlCol="0">
+            <a:spAutoFit/>
+          </a:bodyPr>
+          <a:lstStyle/>
+          <a:p>
+            <a:pPr algn="ctr"/>
+            <a:r>
+              <a:rPr lang="en-US" sz="2100" dirty="0" smtClean="0"/>
+              <a:t>Logical</a:t>
+            </a:r>
+          </a:p>
+          <a:p>
+            <a:pPr algn="ctr"/>
+            <a:r>
+              <a:rPr lang="en-US" sz="2100" dirty="0" smtClean="0"/>
+              <a:t>Model</a:t>
+            </a:r>
+            <a:endParaRPr lang="en-US" sz="2100" dirty="0"/>
+          </a:p>
+        </p:txBody>
+      </p:sp>
     </p:spTree>
   </p:cSld>
   <p:clrMapOvr>
@@ -5574,6 +6182,44 @@
           </a:prstGeom>
         </p:spPr>
       </p:pic>
+      <p:sp>
+        <p:nvSpPr>
+          <p:cNvPr id="4" name="TextBox 3"/>
+          <p:cNvSpPr txBox="1"/>
+          <p:nvPr/>
+        </p:nvSpPr>
+        <p:spPr>
+          <a:xfrm>
+            <a:off x="162824" y="146970"/>
+            <a:ext cx="1774669" cy="738664"/>
+          </a:xfrm>
+          <a:prstGeom prst="rect">
+            <a:avLst/>
+          </a:prstGeom>
+          <a:noFill/>
+        </p:spPr>
+        <p:txBody>
+          <a:bodyPr wrap="square" rtlCol="0">
+            <a:spAutoFit/>
+          </a:bodyPr>
+          <a:lstStyle/>
+          <a:p>
+            <a:pPr algn="ctr"/>
+            <a:r>
+              <a:rPr lang="en-US" sz="2100" dirty="0" smtClean="0"/>
+              <a:t>Relational</a:t>
+            </a:r>
+          </a:p>
+          <a:p>
+            <a:pPr algn="ctr"/>
+            <a:r>
+              <a:rPr lang="en-US" sz="2100" dirty="0" smtClean="0"/>
+              <a:t>Model</a:t>
+            </a:r>
+            <a:endParaRPr lang="en-US" sz="2100" dirty="0"/>
+          </a:p>
+        </p:txBody>
+      </p:sp>
     </p:spTree>
   </p:cSld>
   <p:clrMapOvr>
@@ -5773,7 +6419,7 @@
   <p:cSld>
     <p:spTree>
       <p:nvGrpSpPr>
-        <p:cNvPr id="1" name="Shape 78"/>
+        <p:cNvPr id="1" name=""/>
         <p:cNvGrpSpPr/>
         <p:nvPr/>
       </p:nvGrpSpPr>
@@ -5785,912 +6431,58 @@
           <a:chExt cx="0" cy="0"/>
         </a:xfrm>
       </p:grpSpPr>
-      <p:sp>
-        <p:nvSpPr>
-          <p:cNvPr id="79" name="Shape 79"/>
+      <p:pic>
+        <p:nvPicPr>
+          <p:cNvPr id="4" name="Picture 3" descr="Screen Shot 2015-11-24 at 10.55.08 AM.png"/>
+          <p:cNvPicPr>
+            <a:picLocks noChangeAspect="1"/>
+          </p:cNvPicPr>
+          <p:nvPr/>
+        </p:nvPicPr>
+        <p:blipFill>
+          <a:blip r:embed="rId2"/>
+          <a:stretch>
+            <a:fillRect/>
+          </a:stretch>
+        </p:blipFill>
+        <p:spPr>
+          <a:xfrm>
+            <a:off x="857547" y="1029830"/>
+            <a:ext cx="7038125" cy="3750001"/>
+          </a:xfrm>
+          <a:prstGeom prst="rect">
+            <a:avLst/>
+          </a:prstGeom>
+        </p:spPr>
+      </p:pic>
+      <p:sp>
+        <p:nvSpPr>
+          <p:cNvPr id="5" name="TextBox 4"/>
           <p:cNvSpPr txBox="1"/>
           <p:nvPr/>
         </p:nvSpPr>
         <p:spPr>
           <a:xfrm>
-            <a:off x="393625" y="322650"/>
-            <a:ext cx="3775199" cy="684000"/>
+            <a:off x="2301265" y="379894"/>
+            <a:ext cx="4819630" cy="492443"/>
           </a:xfrm>
           <a:prstGeom prst="rect">
             <a:avLst/>
           </a:prstGeom>
           <a:noFill/>
-          <a:ln>
-            <a:noFill/>
-          </a:ln>
-        </p:spPr>
-        <p:txBody>
-          <a:bodyPr lIns="91425" tIns="91425" rIns="91425" bIns="91425" anchor="t" anchorCtr="0">
-            <a:noAutofit/>
+        </p:spPr>
+        <p:txBody>
+          <a:bodyPr wrap="square" rtlCol="0">
+            <a:spAutoFit/>
           </a:bodyPr>
           <a:lstStyle/>
           <a:p>
-            <a:pPr>
-              <a:spcBef>
-                <a:spcPts val="0"/>
-              </a:spcBef>
-              <a:buNone/>
-            </a:pPr>
+            <a:pPr algn="ctr"/>
             <a:r>
-              <a:rPr lang="en"/>
-              <a:t>RFE Approval Flow</a:t>
+              <a:rPr lang="en-US" sz="2600" dirty="0" smtClean="0"/>
+              <a:t>Creating an RFE</a:t>
             </a:r>
-          </a:p>
-        </p:txBody>
-      </p:sp>
-      <p:sp>
-        <p:nvSpPr>
-          <p:cNvPr id="80" name="Shape 80"/>
-          <p:cNvSpPr/>
-          <p:nvPr/>
-        </p:nvSpPr>
-        <p:spPr>
-          <a:xfrm>
-            <a:off x="778900" y="1400275"/>
-            <a:ext cx="1587600" cy="890399"/>
-          </a:xfrm>
-          <a:prstGeom prst="rect">
-            <a:avLst/>
-          </a:prstGeom>
-          <a:solidFill>
-            <a:schemeClr val="lt2"/>
-          </a:solidFill>
-          <a:ln w="9525" cap="flat" cmpd="sng">
-            <a:solidFill>
-              <a:schemeClr val="dk2"/>
-            </a:solidFill>
-            <a:prstDash val="solid"/>
-            <a:round/>
-            <a:headEnd type="none" w="med" len="med"/>
-            <a:tailEnd type="none" w="med" len="med"/>
-          </a:ln>
-        </p:spPr>
-        <p:txBody>
-          <a:bodyPr lIns="91425" tIns="91425" rIns="91425" bIns="91425" anchor="ctr" anchorCtr="0">
-            <a:noAutofit/>
-          </a:bodyPr>
-          <a:lstStyle/>
-          <a:p>
-            <a:pPr>
-              <a:spcBef>
-                <a:spcPts val="0"/>
-              </a:spcBef>
-              <a:buNone/>
-            </a:pPr>
-            <a:endParaRPr/>
-          </a:p>
-        </p:txBody>
-      </p:sp>
-      <p:sp>
-        <p:nvSpPr>
-          <p:cNvPr id="81" name="Shape 81"/>
-          <p:cNvSpPr/>
-          <p:nvPr/>
-        </p:nvSpPr>
-        <p:spPr>
-          <a:xfrm>
-            <a:off x="3562100" y="438775"/>
-            <a:ext cx="1587600" cy="890399"/>
-          </a:xfrm>
-          <a:prstGeom prst="rect">
-            <a:avLst/>
-          </a:prstGeom>
-          <a:solidFill>
-            <a:schemeClr val="lt2"/>
-          </a:solidFill>
-          <a:ln w="9525" cap="flat" cmpd="sng">
-            <a:solidFill>
-              <a:schemeClr val="dk2"/>
-            </a:solidFill>
-            <a:prstDash val="solid"/>
-            <a:round/>
-            <a:headEnd type="none" w="med" len="med"/>
-            <a:tailEnd type="none" w="med" len="med"/>
-          </a:ln>
-        </p:spPr>
-        <p:txBody>
-          <a:bodyPr lIns="91425" tIns="91425" rIns="91425" bIns="91425" anchor="ctr" anchorCtr="0">
-            <a:noAutofit/>
-          </a:bodyPr>
-          <a:lstStyle/>
-          <a:p>
-            <a:pPr>
-              <a:spcBef>
-                <a:spcPts val="0"/>
-              </a:spcBef>
-              <a:buNone/>
-            </a:pPr>
-            <a:endParaRPr/>
-          </a:p>
-        </p:txBody>
-      </p:sp>
-      <p:sp>
-        <p:nvSpPr>
-          <p:cNvPr id="82" name="Shape 82"/>
-          <p:cNvSpPr/>
-          <p:nvPr/>
-        </p:nvSpPr>
-        <p:spPr>
-          <a:xfrm>
-            <a:off x="6499800" y="1329175"/>
-            <a:ext cx="1587600" cy="890399"/>
-          </a:xfrm>
-          <a:prstGeom prst="rect">
-            <a:avLst/>
-          </a:prstGeom>
-          <a:solidFill>
-            <a:schemeClr val="lt2"/>
-          </a:solidFill>
-          <a:ln w="9525" cap="flat" cmpd="sng">
-            <a:solidFill>
-              <a:schemeClr val="dk2"/>
-            </a:solidFill>
-            <a:prstDash val="solid"/>
-            <a:round/>
-            <a:headEnd type="none" w="med" len="med"/>
-            <a:tailEnd type="none" w="med" len="med"/>
-          </a:ln>
-        </p:spPr>
-        <p:txBody>
-          <a:bodyPr lIns="91425" tIns="91425" rIns="91425" bIns="91425" anchor="ctr" anchorCtr="0">
-            <a:noAutofit/>
-          </a:bodyPr>
-          <a:lstStyle/>
-          <a:p>
-            <a:pPr>
-              <a:spcBef>
-                <a:spcPts val="0"/>
-              </a:spcBef>
-              <a:buNone/>
-            </a:pPr>
-            <a:endParaRPr/>
-          </a:p>
-        </p:txBody>
-      </p:sp>
-      <p:sp>
-        <p:nvSpPr>
-          <p:cNvPr id="83" name="Shape 83"/>
-          <p:cNvSpPr/>
-          <p:nvPr/>
-        </p:nvSpPr>
-        <p:spPr>
-          <a:xfrm>
-            <a:off x="5835125" y="3793375"/>
-            <a:ext cx="1587600" cy="890399"/>
-          </a:xfrm>
-          <a:prstGeom prst="rect">
-            <a:avLst/>
-          </a:prstGeom>
-          <a:solidFill>
-            <a:schemeClr val="lt2"/>
-          </a:solidFill>
-          <a:ln w="9525" cap="flat" cmpd="sng">
-            <a:solidFill>
-              <a:schemeClr val="dk2"/>
-            </a:solidFill>
-            <a:prstDash val="solid"/>
-            <a:round/>
-            <a:headEnd type="none" w="med" len="med"/>
-            <a:tailEnd type="none" w="med" len="med"/>
-          </a:ln>
-        </p:spPr>
-        <p:txBody>
-          <a:bodyPr lIns="91425" tIns="91425" rIns="91425" bIns="91425" anchor="ctr" anchorCtr="0">
-            <a:noAutofit/>
-          </a:bodyPr>
-          <a:lstStyle/>
-          <a:p>
-            <a:pPr algn="ctr">
-              <a:spcBef>
-                <a:spcPts val="0"/>
-              </a:spcBef>
-              <a:buNone/>
-            </a:pPr>
-            <a:r>
-              <a:rPr lang="en"/>
-              <a:t>Chair Person</a:t>
-            </a:r>
-          </a:p>
-        </p:txBody>
-      </p:sp>
-      <p:sp>
-        <p:nvSpPr>
-          <p:cNvPr id="84" name="Shape 84"/>
-          <p:cNvSpPr/>
-          <p:nvPr/>
-        </p:nvSpPr>
-        <p:spPr>
-          <a:xfrm>
-            <a:off x="1843100" y="3728850"/>
-            <a:ext cx="1587600" cy="890399"/>
-          </a:xfrm>
-          <a:prstGeom prst="rect">
-            <a:avLst/>
-          </a:prstGeom>
-          <a:solidFill>
-            <a:schemeClr val="lt2"/>
-          </a:solidFill>
-          <a:ln w="9525" cap="flat" cmpd="sng">
-            <a:solidFill>
-              <a:schemeClr val="dk2"/>
-            </a:solidFill>
-            <a:prstDash val="solid"/>
-            <a:round/>
-            <a:headEnd type="none" w="med" len="med"/>
-            <a:tailEnd type="none" w="med" len="med"/>
-          </a:ln>
-        </p:spPr>
-        <p:txBody>
-          <a:bodyPr lIns="91425" tIns="91425" rIns="91425" bIns="91425" anchor="ctr" anchorCtr="0">
-            <a:noAutofit/>
-          </a:bodyPr>
-          <a:lstStyle/>
-          <a:p>
-            <a:pPr algn="ctr">
-              <a:spcBef>
-                <a:spcPts val="0"/>
-              </a:spcBef>
-              <a:buNone/>
-            </a:pPr>
-            <a:r>
-              <a:rPr lang="en"/>
-              <a:t>Executive Director</a:t>
-            </a:r>
-          </a:p>
-        </p:txBody>
-      </p:sp>
-      <p:sp>
-        <p:nvSpPr>
-          <p:cNvPr id="85" name="Shape 85"/>
-          <p:cNvSpPr/>
-          <p:nvPr/>
-        </p:nvSpPr>
-        <p:spPr>
-          <a:xfrm>
-            <a:off x="3614137" y="2107025"/>
-            <a:ext cx="1483500" cy="877800"/>
-          </a:xfrm>
-          <a:prstGeom prst="rect">
-            <a:avLst/>
-          </a:prstGeom>
-          <a:solidFill>
-            <a:srgbClr val="FF0000"/>
-          </a:solidFill>
-          <a:ln w="9525" cap="flat" cmpd="sng">
-            <a:solidFill>
-              <a:schemeClr val="dk2"/>
-            </a:solidFill>
-            <a:prstDash val="solid"/>
-            <a:round/>
-            <a:headEnd type="none" w="med" len="med"/>
-            <a:tailEnd type="none" w="med" len="med"/>
-          </a:ln>
-        </p:spPr>
-        <p:txBody>
-          <a:bodyPr lIns="91425" tIns="91425" rIns="91425" bIns="91425" anchor="ctr" anchorCtr="0">
-            <a:noAutofit/>
-          </a:bodyPr>
-          <a:lstStyle/>
-          <a:p>
-            <a:pPr algn="ctr">
-              <a:spcBef>
-                <a:spcPts val="0"/>
-              </a:spcBef>
-              <a:buNone/>
-            </a:pPr>
-            <a:r>
-              <a:rPr lang="en"/>
-              <a:t>REJECTED</a:t>
-            </a:r>
-          </a:p>
-        </p:txBody>
-      </p:sp>
-      <p:sp>
-        <p:nvSpPr>
-          <p:cNvPr id="86" name="Shape 86"/>
-          <p:cNvSpPr txBox="1"/>
-          <p:nvPr/>
-        </p:nvSpPr>
-        <p:spPr>
-          <a:xfrm>
-            <a:off x="1006675" y="1606825"/>
-            <a:ext cx="1114199" cy="438900"/>
-          </a:xfrm>
-          <a:prstGeom prst="rect">
-            <a:avLst/>
-          </a:prstGeom>
-          <a:noFill/>
-          <a:ln>
-            <a:noFill/>
-          </a:ln>
-        </p:spPr>
-        <p:txBody>
-          <a:bodyPr lIns="91425" tIns="91425" rIns="91425" bIns="91425" anchor="t" anchorCtr="0">
-            <a:noAutofit/>
-          </a:bodyPr>
-          <a:lstStyle/>
-          <a:p>
-            <a:pPr rtl="0">
-              <a:spcBef>
-                <a:spcPts val="0"/>
-              </a:spcBef>
-              <a:buNone/>
-            </a:pPr>
-            <a:r>
-              <a:rPr lang="en"/>
-              <a:t>Requestor</a:t>
-            </a:r>
-          </a:p>
-          <a:p>
-            <a:pPr>
-              <a:spcBef>
-                <a:spcPts val="0"/>
-              </a:spcBef>
-              <a:buNone/>
-            </a:pPr>
-            <a:endParaRPr/>
-          </a:p>
-        </p:txBody>
-      </p:sp>
-      <p:sp>
-        <p:nvSpPr>
-          <p:cNvPr id="87" name="Shape 87"/>
-          <p:cNvSpPr txBox="1"/>
-          <p:nvPr/>
-        </p:nvSpPr>
-        <p:spPr>
-          <a:xfrm>
-            <a:off x="3926600" y="567750"/>
-            <a:ext cx="1013100" cy="438900"/>
-          </a:xfrm>
-          <a:prstGeom prst="rect">
-            <a:avLst/>
-          </a:prstGeom>
-          <a:noFill/>
-          <a:ln>
-            <a:noFill/>
-          </a:ln>
-        </p:spPr>
-        <p:txBody>
-          <a:bodyPr lIns="91425" tIns="91425" rIns="91425" bIns="91425" anchor="t" anchorCtr="0">
-            <a:noAutofit/>
-          </a:bodyPr>
-          <a:lstStyle/>
-          <a:p>
-            <a:pPr rtl="0">
-              <a:spcBef>
-                <a:spcPts val="0"/>
-              </a:spcBef>
-              <a:buNone/>
-            </a:pPr>
-            <a:r>
-              <a:rPr lang="en"/>
-              <a:t>System</a:t>
-            </a:r>
-          </a:p>
-          <a:p>
-            <a:pPr rtl="0">
-              <a:spcBef>
-                <a:spcPts val="0"/>
-              </a:spcBef>
-              <a:buNone/>
-            </a:pPr>
-            <a:r>
-              <a:rPr lang="en"/>
-              <a:t>Admin</a:t>
-            </a:r>
-          </a:p>
-          <a:p>
-            <a:pPr>
-              <a:spcBef>
-                <a:spcPts val="0"/>
-              </a:spcBef>
-              <a:buNone/>
-            </a:pPr>
-            <a:endParaRPr/>
-          </a:p>
-        </p:txBody>
-      </p:sp>
-      <p:sp>
-        <p:nvSpPr>
-          <p:cNvPr id="88" name="Shape 88"/>
-          <p:cNvSpPr txBox="1"/>
-          <p:nvPr/>
-        </p:nvSpPr>
-        <p:spPr>
-          <a:xfrm>
-            <a:off x="6799925" y="1486875"/>
-            <a:ext cx="987300" cy="509700"/>
-          </a:xfrm>
-          <a:prstGeom prst="rect">
-            <a:avLst/>
-          </a:prstGeom>
-          <a:noFill/>
-          <a:ln>
-            <a:noFill/>
-          </a:ln>
-        </p:spPr>
-        <p:txBody>
-          <a:bodyPr lIns="91425" tIns="91425" rIns="91425" bIns="91425" anchor="t" anchorCtr="0">
-            <a:noAutofit/>
-          </a:bodyPr>
-          <a:lstStyle/>
-          <a:p>
-            <a:pPr algn="ctr">
-              <a:spcBef>
-                <a:spcPts val="0"/>
-              </a:spcBef>
-              <a:buNone/>
-            </a:pPr>
-            <a:r>
-              <a:rPr lang="en"/>
-              <a:t>Lab Director</a:t>
-            </a:r>
-          </a:p>
-        </p:txBody>
-      </p:sp>
-      <p:sp>
-        <p:nvSpPr>
-          <p:cNvPr id="89" name="Shape 89"/>
-          <p:cNvSpPr/>
-          <p:nvPr/>
-        </p:nvSpPr>
-        <p:spPr>
-          <a:xfrm>
-            <a:off x="41700" y="2916800"/>
-            <a:ext cx="1161599" cy="987300"/>
-          </a:xfrm>
-          <a:prstGeom prst="heart">
-            <a:avLst/>
-          </a:prstGeom>
-          <a:solidFill>
-            <a:srgbClr val="FF00FF"/>
-          </a:solidFill>
-          <a:ln w="9525" cap="flat" cmpd="sng">
-            <a:solidFill>
-              <a:schemeClr val="dk2"/>
-            </a:solidFill>
-            <a:prstDash val="solid"/>
-            <a:round/>
-            <a:headEnd type="none" w="med" len="med"/>
-            <a:tailEnd type="none" w="med" len="med"/>
-          </a:ln>
-        </p:spPr>
-        <p:txBody>
-          <a:bodyPr lIns="91425" tIns="91425" rIns="91425" bIns="91425" anchor="ctr" anchorCtr="0">
-            <a:noAutofit/>
-          </a:bodyPr>
-          <a:lstStyle/>
-          <a:p>
-            <a:pPr algn="ctr">
-              <a:spcBef>
-                <a:spcPts val="0"/>
-              </a:spcBef>
-              <a:buNone/>
-            </a:pPr>
-            <a:r>
-              <a:rPr lang="en" sz="800"/>
-              <a:t>Approved!</a:t>
-            </a:r>
-          </a:p>
-        </p:txBody>
-      </p:sp>
-      <p:sp>
-        <p:nvSpPr>
-          <p:cNvPr id="90" name="Shape 90"/>
-          <p:cNvSpPr/>
-          <p:nvPr/>
-        </p:nvSpPr>
-        <p:spPr>
-          <a:xfrm rot="7724548">
-            <a:off x="1076306" y="3644054"/>
-            <a:ext cx="519637" cy="619292"/>
-          </a:xfrm>
-          <a:prstGeom prst="downArrow">
-            <a:avLst>
-              <a:gd name="adj1" fmla="val 50000"/>
-              <a:gd name="adj2" fmla="val 50000"/>
-            </a:avLst>
-          </a:prstGeom>
-          <a:solidFill>
-            <a:srgbClr val="00FF00"/>
-          </a:solidFill>
-          <a:ln w="9525" cap="flat" cmpd="sng">
-            <a:solidFill>
-              <a:schemeClr val="dk2"/>
-            </a:solidFill>
-            <a:prstDash val="solid"/>
-            <a:round/>
-            <a:headEnd type="none" w="med" len="med"/>
-            <a:tailEnd type="none" w="med" len="med"/>
-          </a:ln>
-        </p:spPr>
-        <p:txBody>
-          <a:bodyPr lIns="91425" tIns="91425" rIns="91425" bIns="91425" anchor="ctr" anchorCtr="0">
-            <a:noAutofit/>
-          </a:bodyPr>
-          <a:lstStyle/>
-          <a:p>
-            <a:pPr>
-              <a:spcBef>
-                <a:spcPts val="0"/>
-              </a:spcBef>
-              <a:buNone/>
-            </a:pPr>
-            <a:endParaRPr/>
-          </a:p>
-        </p:txBody>
-      </p:sp>
-      <p:sp>
-        <p:nvSpPr>
-          <p:cNvPr id="91" name="Shape 91"/>
-          <p:cNvSpPr/>
-          <p:nvPr/>
-        </p:nvSpPr>
-        <p:spPr>
-          <a:xfrm rot="5401986">
-            <a:off x="4373330" y="3864548"/>
-            <a:ext cx="519300" cy="618900"/>
-          </a:xfrm>
-          <a:prstGeom prst="downArrow">
-            <a:avLst>
-              <a:gd name="adj1" fmla="val 50000"/>
-              <a:gd name="adj2" fmla="val 50000"/>
-            </a:avLst>
-          </a:prstGeom>
-          <a:solidFill>
-            <a:srgbClr val="00FF00"/>
-          </a:solidFill>
-          <a:ln w="9525" cap="flat" cmpd="sng">
-            <a:solidFill>
-              <a:schemeClr val="dk2"/>
-            </a:solidFill>
-            <a:prstDash val="solid"/>
-            <a:round/>
-            <a:headEnd type="none" w="med" len="med"/>
-            <a:tailEnd type="none" w="med" len="med"/>
-          </a:ln>
-        </p:spPr>
-        <p:txBody>
-          <a:bodyPr lIns="91425" tIns="91425" rIns="91425" bIns="91425" anchor="ctr" anchorCtr="0">
-            <a:noAutofit/>
-          </a:bodyPr>
-          <a:lstStyle/>
-          <a:p>
-            <a:pPr>
-              <a:spcBef>
-                <a:spcPts val="0"/>
-              </a:spcBef>
-              <a:buNone/>
-            </a:pPr>
-            <a:endParaRPr/>
-          </a:p>
-        </p:txBody>
-      </p:sp>
-      <p:sp>
-        <p:nvSpPr>
-          <p:cNvPr id="92" name="Shape 92"/>
-          <p:cNvSpPr/>
-          <p:nvPr/>
-        </p:nvSpPr>
-        <p:spPr>
-          <a:xfrm rot="-7331682">
-            <a:off x="2704467" y="941648"/>
-            <a:ext cx="519709" cy="619339"/>
-          </a:xfrm>
-          <a:prstGeom prst="downArrow">
-            <a:avLst>
-              <a:gd name="adj1" fmla="val 50000"/>
-              <a:gd name="adj2" fmla="val 50000"/>
-            </a:avLst>
-          </a:prstGeom>
-          <a:solidFill>
-            <a:srgbClr val="00FF00"/>
-          </a:solidFill>
-          <a:ln w="9525" cap="flat" cmpd="sng">
-            <a:solidFill>
-              <a:schemeClr val="dk2"/>
-            </a:solidFill>
-            <a:prstDash val="solid"/>
-            <a:round/>
-            <a:headEnd type="none" w="med" len="med"/>
-            <a:tailEnd type="none" w="med" len="med"/>
-          </a:ln>
-        </p:spPr>
-        <p:txBody>
-          <a:bodyPr lIns="91425" tIns="91425" rIns="91425" bIns="91425" anchor="ctr" anchorCtr="0">
-            <a:noAutofit/>
-          </a:bodyPr>
-          <a:lstStyle/>
-          <a:p>
-            <a:pPr>
-              <a:spcBef>
-                <a:spcPts val="0"/>
-              </a:spcBef>
-              <a:buNone/>
-            </a:pPr>
-            <a:endParaRPr/>
-          </a:p>
-        </p:txBody>
-      </p:sp>
-      <p:sp>
-        <p:nvSpPr>
-          <p:cNvPr id="93" name="Shape 93"/>
-          <p:cNvSpPr/>
-          <p:nvPr/>
-        </p:nvSpPr>
-        <p:spPr>
-          <a:xfrm rot="-3034536">
-            <a:off x="5564854" y="780774"/>
-            <a:ext cx="519636" cy="619160"/>
-          </a:xfrm>
-          <a:prstGeom prst="downArrow">
-            <a:avLst>
-              <a:gd name="adj1" fmla="val 50000"/>
-              <a:gd name="adj2" fmla="val 50000"/>
-            </a:avLst>
-          </a:prstGeom>
-          <a:solidFill>
-            <a:srgbClr val="00FF00"/>
-          </a:solidFill>
-          <a:ln w="9525" cap="flat" cmpd="sng">
-            <a:solidFill>
-              <a:schemeClr val="dk2"/>
-            </a:solidFill>
-            <a:prstDash val="solid"/>
-            <a:round/>
-            <a:headEnd type="none" w="med" len="med"/>
-            <a:tailEnd type="none" w="med" len="med"/>
-          </a:ln>
-        </p:spPr>
-        <p:txBody>
-          <a:bodyPr lIns="91425" tIns="91425" rIns="91425" bIns="91425" anchor="ctr" anchorCtr="0">
-            <a:noAutofit/>
-          </a:bodyPr>
-          <a:lstStyle/>
-          <a:p>
-            <a:pPr>
-              <a:spcBef>
-                <a:spcPts val="0"/>
-              </a:spcBef>
-              <a:buNone/>
-            </a:pPr>
-            <a:endParaRPr/>
-          </a:p>
-        </p:txBody>
-      </p:sp>
-      <p:sp>
-        <p:nvSpPr>
-          <p:cNvPr id="94" name="Shape 94"/>
-          <p:cNvSpPr/>
-          <p:nvPr/>
-        </p:nvSpPr>
-        <p:spPr>
-          <a:xfrm rot="1333522">
-            <a:off x="6532172" y="2696926"/>
-            <a:ext cx="519496" cy="619052"/>
-          </a:xfrm>
-          <a:prstGeom prst="downArrow">
-            <a:avLst>
-              <a:gd name="adj1" fmla="val 50000"/>
-              <a:gd name="adj2" fmla="val 50000"/>
-            </a:avLst>
-          </a:prstGeom>
-          <a:solidFill>
-            <a:srgbClr val="00FF00"/>
-          </a:solidFill>
-          <a:ln w="9525" cap="flat" cmpd="sng">
-            <a:solidFill>
-              <a:schemeClr val="dk2"/>
-            </a:solidFill>
-            <a:prstDash val="solid"/>
-            <a:round/>
-            <a:headEnd type="none" w="med" len="med"/>
-            <a:tailEnd type="none" w="med" len="med"/>
-          </a:ln>
-        </p:spPr>
-        <p:txBody>
-          <a:bodyPr lIns="91425" tIns="91425" rIns="91425" bIns="91425" anchor="ctr" anchorCtr="0">
-            <a:noAutofit/>
-          </a:bodyPr>
-          <a:lstStyle/>
-          <a:p>
-            <a:pPr>
-              <a:spcBef>
-                <a:spcPts val="0"/>
-              </a:spcBef>
-              <a:buNone/>
-            </a:pPr>
-            <a:endParaRPr/>
-          </a:p>
-        </p:txBody>
-      </p:sp>
-      <p:sp>
-        <p:nvSpPr>
-          <p:cNvPr id="95" name="Shape 95"/>
-          <p:cNvSpPr/>
-          <p:nvPr/>
-        </p:nvSpPr>
-        <p:spPr>
-          <a:xfrm>
-            <a:off x="4194500" y="1529375"/>
-            <a:ext cx="209399" cy="405000"/>
-          </a:xfrm>
-          <a:prstGeom prst="downArrow">
-            <a:avLst>
-              <a:gd name="adj1" fmla="val 50000"/>
-              <a:gd name="adj2" fmla="val 50000"/>
-            </a:avLst>
-          </a:prstGeom>
-          <a:solidFill>
-            <a:srgbClr val="FF9900"/>
-          </a:solidFill>
-          <a:ln w="9525" cap="flat" cmpd="sng">
-            <a:solidFill>
-              <a:schemeClr val="dk2"/>
-            </a:solidFill>
-            <a:prstDash val="solid"/>
-            <a:round/>
-            <a:headEnd type="none" w="med" len="med"/>
-            <a:tailEnd type="none" w="med" len="med"/>
-          </a:ln>
-        </p:spPr>
-        <p:txBody>
-          <a:bodyPr lIns="91425" tIns="91425" rIns="91425" bIns="91425" anchor="ctr" anchorCtr="0">
-            <a:noAutofit/>
-          </a:bodyPr>
-          <a:lstStyle/>
-          <a:p>
-            <a:pPr>
-              <a:spcBef>
-                <a:spcPts val="0"/>
-              </a:spcBef>
-              <a:buNone/>
-            </a:pPr>
-            <a:endParaRPr/>
-          </a:p>
-        </p:txBody>
-      </p:sp>
-      <p:sp>
-        <p:nvSpPr>
-          <p:cNvPr id="96" name="Shape 96"/>
-          <p:cNvSpPr/>
-          <p:nvPr/>
-        </p:nvSpPr>
-        <p:spPr>
-          <a:xfrm rot="3541329">
-            <a:off x="5835161" y="1996534"/>
-            <a:ext cx="209245" cy="404908"/>
-          </a:xfrm>
-          <a:prstGeom prst="downArrow">
-            <a:avLst>
-              <a:gd name="adj1" fmla="val 50000"/>
-              <a:gd name="adj2" fmla="val 50000"/>
-            </a:avLst>
-          </a:prstGeom>
-          <a:solidFill>
-            <a:srgbClr val="FF9900"/>
-          </a:solidFill>
-          <a:ln w="9525" cap="flat" cmpd="sng">
-            <a:solidFill>
-              <a:schemeClr val="dk2"/>
-            </a:solidFill>
-            <a:prstDash val="solid"/>
-            <a:round/>
-            <a:headEnd type="none" w="med" len="med"/>
-            <a:tailEnd type="none" w="med" len="med"/>
-          </a:ln>
-        </p:spPr>
-        <p:txBody>
-          <a:bodyPr lIns="91425" tIns="91425" rIns="91425" bIns="91425" anchor="ctr" anchorCtr="0">
-            <a:noAutofit/>
-          </a:bodyPr>
-          <a:lstStyle/>
-          <a:p>
-            <a:pPr>
-              <a:spcBef>
-                <a:spcPts val="0"/>
-              </a:spcBef>
-              <a:buNone/>
-            </a:pPr>
-            <a:endParaRPr/>
-          </a:p>
-        </p:txBody>
-      </p:sp>
-      <p:sp>
-        <p:nvSpPr>
-          <p:cNvPr id="97" name="Shape 97"/>
-          <p:cNvSpPr/>
-          <p:nvPr/>
-        </p:nvSpPr>
-        <p:spPr>
-          <a:xfrm rot="8648854">
-            <a:off x="5460717" y="3214026"/>
-            <a:ext cx="209493" cy="405001"/>
-          </a:xfrm>
-          <a:prstGeom prst="downArrow">
-            <a:avLst>
-              <a:gd name="adj1" fmla="val 50000"/>
-              <a:gd name="adj2" fmla="val 50000"/>
-            </a:avLst>
-          </a:prstGeom>
-          <a:solidFill>
-            <a:srgbClr val="FF9900"/>
-          </a:solidFill>
-          <a:ln w="9525" cap="flat" cmpd="sng">
-            <a:solidFill>
-              <a:schemeClr val="dk2"/>
-            </a:solidFill>
-            <a:prstDash val="solid"/>
-            <a:round/>
-            <a:headEnd type="none" w="med" len="med"/>
-            <a:tailEnd type="none" w="med" len="med"/>
-          </a:ln>
-        </p:spPr>
-        <p:txBody>
-          <a:bodyPr lIns="91425" tIns="91425" rIns="91425" bIns="91425" anchor="ctr" anchorCtr="0">
-            <a:noAutofit/>
-          </a:bodyPr>
-          <a:lstStyle/>
-          <a:p>
-            <a:pPr>
-              <a:spcBef>
-                <a:spcPts val="0"/>
-              </a:spcBef>
-              <a:buNone/>
-            </a:pPr>
-            <a:endParaRPr/>
-          </a:p>
-        </p:txBody>
-      </p:sp>
-      <p:sp>
-        <p:nvSpPr>
-          <p:cNvPr id="98" name="Shape 98"/>
-          <p:cNvSpPr/>
-          <p:nvPr/>
-        </p:nvSpPr>
-        <p:spPr>
-          <a:xfrm rot="-7768795">
-            <a:off x="3179981" y="3087700"/>
-            <a:ext cx="209497" cy="404895"/>
-          </a:xfrm>
-          <a:prstGeom prst="downArrow">
-            <a:avLst>
-              <a:gd name="adj1" fmla="val 50000"/>
-              <a:gd name="adj2" fmla="val 50000"/>
-            </a:avLst>
-          </a:prstGeom>
-          <a:solidFill>
-            <a:srgbClr val="FF9900"/>
-          </a:solidFill>
-          <a:ln w="9525" cap="flat" cmpd="sng">
-            <a:solidFill>
-              <a:schemeClr val="dk2"/>
-            </a:solidFill>
-            <a:prstDash val="solid"/>
-            <a:round/>
-            <a:headEnd type="none" w="med" len="med"/>
-            <a:tailEnd type="none" w="med" len="med"/>
-          </a:ln>
-        </p:spPr>
-        <p:txBody>
-          <a:bodyPr lIns="91425" tIns="91425" rIns="91425" bIns="91425" anchor="ctr" anchorCtr="0">
-            <a:noAutofit/>
-          </a:bodyPr>
-          <a:lstStyle/>
-          <a:p>
-            <a:pPr>
-              <a:spcBef>
-                <a:spcPts val="0"/>
-              </a:spcBef>
-              <a:buNone/>
-            </a:pPr>
-            <a:endParaRPr/>
+            <a:endParaRPr lang="en-US" sz="2600" dirty="0"/>
           </a:p>
         </p:txBody>
       </p:sp>
@@ -6699,9 +6491,6 @@
   <p:clrMapOvr>
     <a:masterClrMapping/>
   </p:clrMapOvr>
-  <p:transition spd="slow">
-    <p:cut/>
-  </p:transition>
   <p:timing>
     <p:tnLst>
       <p:par>
@@ -6717,7 +6506,7 @@
   <p:cSld>
     <p:spTree>
       <p:nvGrpSpPr>
-        <p:cNvPr id="1" name="Shape 102"/>
+        <p:cNvPr id="1" name=""/>
         <p:cNvGrpSpPr/>
         <p:nvPr/>
       </p:nvGrpSpPr>
@@ -6731,78 +6520,317 @@
       </p:grpSpPr>
       <p:sp>
         <p:nvSpPr>
-          <p:cNvPr id="103" name="Shape 103"/>
-          <p:cNvSpPr txBox="1"/>
-          <p:nvPr/>
-        </p:nvSpPr>
-        <p:spPr>
-          <a:xfrm>
-            <a:off x="1019575" y="245225"/>
-            <a:ext cx="7175700" cy="1161599"/>
-          </a:xfrm>
-          <a:prstGeom prst="rect">
-            <a:avLst/>
-          </a:prstGeom>
-          <a:noFill/>
-          <a:ln>
-            <a:noFill/>
-          </a:ln>
-        </p:spPr>
-        <p:txBody>
-          <a:bodyPr lIns="91425" tIns="91425" rIns="91425" bIns="91425" anchor="t" anchorCtr="0">
-            <a:noAutofit/>
-          </a:bodyPr>
+          <p:cNvPr id="2" name="Title 1"/>
+          <p:cNvSpPr>
+            <a:spLocks noGrp="1"/>
+          </p:cNvSpPr>
+          <p:nvPr>
+            <p:ph type="title"/>
+          </p:nvPr>
+        </p:nvSpPr>
+        <p:spPr>
+          <a:xfrm>
+            <a:off x="311700" y="158675"/>
+            <a:ext cx="8520599" cy="572699"/>
+          </a:xfrm>
+        </p:spPr>
+        <p:txBody>
+          <a:bodyPr anchor="ctr"/>
           <a:lstStyle/>
           <a:p>
-            <a:pPr algn="ctr">
-              <a:spcBef>
-                <a:spcPts val="0"/>
-              </a:spcBef>
-              <a:buNone/>
-            </a:pPr>
+            <a:pPr algn="ctr"/>
             <a:r>
-              <a:rPr lang="en" sz="3600"/>
-              <a:t>Part 2 Conceptual </a:t>
+              <a:rPr lang="en-US" dirty="0" smtClean="0"/>
+              <a:t>RFE Details Page</a:t>
             </a:r>
+            <a:endParaRPr lang="en-US" dirty="0"/>
+          </a:p>
+        </p:txBody>
+      </p:sp>
+      <p:sp>
+        <p:nvSpPr>
+          <p:cNvPr id="3" name="Text Placeholder 2"/>
+          <p:cNvSpPr>
+            <a:spLocks noGrp="1"/>
+          </p:cNvSpPr>
+          <p:nvPr>
+            <p:ph type="body" idx="1"/>
+          </p:nvPr>
+        </p:nvSpPr>
+        <p:spPr/>
+        <p:txBody>
+          <a:bodyPr/>
+          <a:lstStyle/>
+          <a:p>
+            <a:endParaRPr lang="en-US" dirty="0"/>
           </a:p>
         </p:txBody>
       </p:sp>
       <p:pic>
         <p:nvPicPr>
-          <p:cNvPr id="104" name="Shape 104"/>
-          <p:cNvPicPr preferRelativeResize="0"/>
+          <p:cNvPr id="4" name="Picture 3" descr="Screen Shot 2015-11-24 at 10.57.16 AM.png"/>
+          <p:cNvPicPr>
+            <a:picLocks noChangeAspect="1"/>
+          </p:cNvPicPr>
           <p:nvPr/>
         </p:nvPicPr>
         <p:blipFill>
-          <a:blip r:embed="rId3">
-            <a:alphaModFix/>
-          </a:blip>
+          <a:blip r:embed="rId2"/>
           <a:stretch>
             <a:fillRect/>
           </a:stretch>
         </p:blipFill>
         <p:spPr>
           <a:xfrm>
-            <a:off x="1671637" y="1471612"/>
-            <a:ext cx="5800725" cy="2200275"/>
+            <a:off x="311700" y="894516"/>
+            <a:ext cx="7776267" cy="4070390"/>
+          </a:xfrm>
+          <a:prstGeom prst="rect">
+            <a:avLst/>
+          </a:prstGeom>
+        </p:spPr>
+      </p:pic>
+      <p:cxnSp>
+        <p:nvCxnSpPr>
+          <p:cNvPr id="6" name="Straight Arrow Connector 5"/>
+          <p:cNvCxnSpPr/>
+          <p:nvPr/>
+        </p:nvCxnSpPr>
+        <p:spPr>
+          <a:xfrm flipV="1">
+            <a:off x="890112" y="1725806"/>
+            <a:ext cx="390781" cy="325624"/>
+          </a:xfrm>
+          <a:prstGeom prst="straightConnector1">
+            <a:avLst/>
+          </a:prstGeom>
+          <a:ln>
+            <a:solidFill>
+              <a:srgbClr val="FF0000"/>
+            </a:solidFill>
+            <a:tailEnd type="arrow"/>
+          </a:ln>
+          <a:effectLst>
+            <a:outerShdw blurRad="40005" dist="19939" dir="5400000" algn="tl" rotWithShape="0">
+              <a:srgbClr val="000000">
+                <a:alpha val="38000"/>
+              </a:srgbClr>
+            </a:outerShdw>
+          </a:effectLst>
+        </p:spPr>
+        <p:style>
+          <a:lnRef idx="2">
+            <a:schemeClr val="accent1"/>
+          </a:lnRef>
+          <a:fillRef idx="0">
+            <a:schemeClr val="accent1"/>
+          </a:fillRef>
+          <a:effectRef idx="1">
+            <a:schemeClr val="accent1"/>
+          </a:effectRef>
+          <a:fontRef idx="minor">
+            <a:schemeClr val="tx1"/>
+          </a:fontRef>
+        </p:style>
+      </p:cxnSp>
+      <p:cxnSp>
+        <p:nvCxnSpPr>
+          <p:cNvPr id="9" name="Straight Arrow Connector 8"/>
+          <p:cNvCxnSpPr/>
+          <p:nvPr/>
+        </p:nvCxnSpPr>
+        <p:spPr>
+          <a:xfrm rot="10800000">
+            <a:off x="2128381" y="2824456"/>
+            <a:ext cx="509393" cy="1"/>
+          </a:xfrm>
+          <a:prstGeom prst="straightConnector1">
+            <a:avLst/>
+          </a:prstGeom>
+          <a:ln>
+            <a:solidFill>
+              <a:srgbClr val="FF0000"/>
+            </a:solidFill>
+            <a:tailEnd type="arrow"/>
+          </a:ln>
+          <a:effectLst>
+            <a:outerShdw blurRad="40000" dist="20000" dir="5400000" rotWithShape="0">
+              <a:schemeClr val="tx1">
+                <a:alpha val="38000"/>
+              </a:schemeClr>
+            </a:outerShdw>
+          </a:effectLst>
+        </p:spPr>
+        <p:style>
+          <a:lnRef idx="2">
+            <a:schemeClr val="accent1"/>
+          </a:lnRef>
+          <a:fillRef idx="0">
+            <a:schemeClr val="accent1"/>
+          </a:fillRef>
+          <a:effectRef idx="1">
+            <a:schemeClr val="accent1"/>
+          </a:effectRef>
+          <a:fontRef idx="minor">
+            <a:schemeClr val="tx1"/>
+          </a:fontRef>
+        </p:style>
+      </p:cxnSp>
+      <p:cxnSp>
+        <p:nvCxnSpPr>
+          <p:cNvPr id="14" name="Straight Arrow Connector 13"/>
+          <p:cNvCxnSpPr/>
+          <p:nvPr/>
+        </p:nvCxnSpPr>
+        <p:spPr>
+          <a:xfrm rot="10800000">
+            <a:off x="1948876" y="4124569"/>
+            <a:ext cx="688897" cy="1588"/>
+          </a:xfrm>
+          <a:prstGeom prst="straightConnector1">
+            <a:avLst/>
+          </a:prstGeom>
+          <a:ln>
+            <a:solidFill>
+              <a:srgbClr val="FF0000"/>
+            </a:solidFill>
+            <a:tailEnd type="arrow"/>
+          </a:ln>
+        </p:spPr>
+        <p:style>
+          <a:lnRef idx="2">
+            <a:schemeClr val="accent1"/>
+          </a:lnRef>
+          <a:fillRef idx="0">
+            <a:schemeClr val="accent1"/>
+          </a:fillRef>
+          <a:effectRef idx="1">
+            <a:schemeClr val="accent1"/>
+          </a:effectRef>
+          <a:fontRef idx="minor">
+            <a:schemeClr val="tx1"/>
+          </a:fontRef>
+        </p:style>
+      </p:cxnSp>
+      <p:sp>
+        <p:nvSpPr>
+          <p:cNvPr id="17" name="TextBox 16"/>
+          <p:cNvSpPr txBox="1"/>
+          <p:nvPr/>
+        </p:nvSpPr>
+        <p:spPr>
+          <a:xfrm>
+            <a:off x="162825" y="2051430"/>
+            <a:ext cx="1118068" cy="415498"/>
           </a:xfrm>
           <a:prstGeom prst="rect">
             <a:avLst/>
           </a:prstGeom>
           <a:noFill/>
-          <a:ln>
-            <a:noFill/>
-          </a:ln>
-        </p:spPr>
-      </p:pic>
+        </p:spPr>
+        <p:txBody>
+          <a:bodyPr wrap="square" rtlCol="0">
+            <a:spAutoFit/>
+          </a:bodyPr>
+          <a:lstStyle/>
+          <a:p>
+            <a:r>
+              <a:rPr lang="en-US" sz="2000" b="1" dirty="0" smtClean="0">
+                <a:solidFill>
+                  <a:srgbClr val="FF0000"/>
+                </a:solidFill>
+              </a:rPr>
+              <a:t>History</a:t>
+            </a:r>
+            <a:endParaRPr lang="en-US" sz="2000" b="1" dirty="0">
+              <a:solidFill>
+                <a:srgbClr val="FF0000"/>
+              </a:solidFill>
+            </a:endParaRPr>
+          </a:p>
+        </p:txBody>
+      </p:sp>
+      <p:sp>
+        <p:nvSpPr>
+          <p:cNvPr id="18" name="TextBox 17"/>
+          <p:cNvSpPr txBox="1"/>
+          <p:nvPr/>
+        </p:nvSpPr>
+        <p:spPr>
+          <a:xfrm>
+            <a:off x="2637774" y="2616707"/>
+            <a:ext cx="1953474" cy="400110"/>
+          </a:xfrm>
+          <a:prstGeom prst="rect">
+            <a:avLst/>
+          </a:prstGeom>
+          <a:noFill/>
+        </p:spPr>
+        <p:txBody>
+          <a:bodyPr wrap="square" rtlCol="0">
+            <a:spAutoFit/>
+          </a:bodyPr>
+          <a:lstStyle/>
+          <a:p>
+            <a:r>
+              <a:rPr lang="en-US" sz="2000" b="1" dirty="0" smtClean="0">
+                <a:solidFill>
+                  <a:srgbClr val="FF0000"/>
+                </a:solidFill>
+              </a:rPr>
+              <a:t>Upload a File</a:t>
+            </a:r>
+            <a:endParaRPr lang="en-US" sz="2000" b="1" dirty="0">
+              <a:solidFill>
+                <a:srgbClr val="FF0000"/>
+              </a:solidFill>
+            </a:endParaRPr>
+          </a:p>
+        </p:txBody>
+      </p:sp>
+      <p:sp>
+        <p:nvSpPr>
+          <p:cNvPr id="19" name="TextBox 18"/>
+          <p:cNvSpPr txBox="1"/>
+          <p:nvPr/>
+        </p:nvSpPr>
+        <p:spPr>
+          <a:xfrm>
+            <a:off x="2779316" y="3918409"/>
+            <a:ext cx="1638678" cy="400110"/>
+          </a:xfrm>
+          <a:prstGeom prst="rect">
+            <a:avLst/>
+          </a:prstGeom>
+          <a:noFill/>
+        </p:spPr>
+        <p:txBody>
+          <a:bodyPr wrap="square" rtlCol="0">
+            <a:spAutoFit/>
+          </a:bodyPr>
+          <a:lstStyle/>
+          <a:p>
+            <a:r>
+              <a:rPr lang="en-US" sz="2000" b="1" dirty="0" smtClean="0">
+                <a:solidFill>
+                  <a:srgbClr val="FF0000"/>
+                </a:solidFill>
+              </a:rPr>
+              <a:t>Comments</a:t>
+            </a:r>
+            <a:endParaRPr lang="en-US" sz="2000" b="1" dirty="0">
+              <a:solidFill>
+                <a:srgbClr val="FF0000"/>
+              </a:solidFill>
+            </a:endParaRPr>
+          </a:p>
+        </p:txBody>
+      </p:sp>
     </p:spTree>
   </p:cSld>
   <p:clrMapOvr>
     <a:masterClrMapping/>
   </p:clrMapOvr>
-  <p:transition spd="slow">
-    <p:cut/>
-  </p:transition>
   <p:timing>
     <p:tnLst>
       <p:par>
@@ -6818,7 +6846,7 @@
   <p:cSld>
     <p:spTree>
       <p:nvGrpSpPr>
-        <p:cNvPr id="1" name="Shape 108"/>
+        <p:cNvPr id="1" name=""/>
         <p:cNvGrpSpPr/>
         <p:nvPr/>
       </p:nvGrpSpPr>
@@ -6830,186 +6858,152 @@
           <a:chExt cx="0" cy="0"/>
         </a:xfrm>
       </p:grpSpPr>
-      <p:sp>
-        <p:nvSpPr>
-          <p:cNvPr id="109" name="Shape 109"/>
-          <p:cNvSpPr txBox="1">
+      <p:pic>
+        <p:nvPicPr>
+          <p:cNvPr id="8" name="Picture 7" descr="Screen Shot 2015-11-24 at 11.09.15 AM.png"/>
+          <p:cNvPicPr>
+            <a:picLocks noChangeAspect="1"/>
+          </p:cNvPicPr>
+          <p:nvPr/>
+        </p:nvPicPr>
+        <p:blipFill>
+          <a:blip r:embed="rId2"/>
+          <a:stretch>
+            <a:fillRect/>
+          </a:stretch>
+        </p:blipFill>
+        <p:spPr>
+          <a:xfrm>
+            <a:off x="835837" y="1017724"/>
+            <a:ext cx="7114740" cy="3898790"/>
+          </a:xfrm>
+          <a:prstGeom prst="rect">
+            <a:avLst/>
+          </a:prstGeom>
+        </p:spPr>
+      </p:pic>
+      <p:sp>
+        <p:nvSpPr>
+          <p:cNvPr id="2" name="Title 1"/>
+          <p:cNvSpPr>
             <a:spLocks noGrp="1"/>
           </p:cNvSpPr>
           <p:nvPr>
             <p:ph type="title"/>
           </p:nvPr>
         </p:nvSpPr>
-        <p:spPr>
-          <a:xfrm>
-            <a:off x="311700" y="445025"/>
-            <a:ext cx="8520599" cy="572699"/>
-          </a:xfrm>
-          <a:prstGeom prst="rect">
-            <a:avLst/>
-          </a:prstGeom>
-        </p:spPr>
-        <p:txBody>
-          <a:bodyPr lIns="91425" tIns="91425" rIns="91425" bIns="91425" anchor="t" anchorCtr="0">
-            <a:noAutofit/>
-          </a:bodyPr>
+        <p:spPr/>
+        <p:txBody>
+          <a:bodyPr/>
           <a:lstStyle/>
           <a:p>
-            <a:pPr algn="ctr">
-              <a:spcBef>
-                <a:spcPts val="0"/>
-              </a:spcBef>
-              <a:buNone/>
-            </a:pPr>
+            <a:pPr algn="ctr"/>
             <a:r>
-              <a:rPr lang="en"/>
-              <a:t>League of Legends Champion Database</a:t>
+              <a:rPr lang="en-US" dirty="0" smtClean="0"/>
+              <a:t>Submission and Approval</a:t>
             </a:r>
-          </a:p>
-        </p:txBody>
-      </p:sp>
-      <p:sp>
-        <p:nvSpPr>
-          <p:cNvPr id="110" name="Shape 110"/>
-          <p:cNvSpPr txBox="1">
+            <a:endParaRPr lang="en-US" dirty="0"/>
+          </a:p>
+        </p:txBody>
+      </p:sp>
+      <p:sp>
+        <p:nvSpPr>
+          <p:cNvPr id="3" name="Text Placeholder 2"/>
+          <p:cNvSpPr>
             <a:spLocks noGrp="1"/>
           </p:cNvSpPr>
           <p:nvPr>
             <p:ph type="body" idx="1"/>
           </p:nvPr>
         </p:nvSpPr>
-        <p:spPr>
-          <a:xfrm>
-            <a:off x="311700" y="1152475"/>
-            <a:ext cx="8520599" cy="3416400"/>
-          </a:xfrm>
-          <a:prstGeom prst="rect">
-            <a:avLst/>
-          </a:prstGeom>
-        </p:spPr>
-        <p:txBody>
-          <a:bodyPr lIns="91425" tIns="91425" rIns="91425" bIns="91425" anchor="t" anchorCtr="0">
-            <a:noAutofit/>
+        <p:spPr/>
+        <p:txBody>
+          <a:bodyPr/>
+          <a:lstStyle/>
+          <a:p>
+            <a:endParaRPr lang="en-US" dirty="0"/>
+          </a:p>
+        </p:txBody>
+      </p:sp>
+      <p:sp>
+        <p:nvSpPr>
+          <p:cNvPr id="5" name="TextBox 4"/>
+          <p:cNvSpPr txBox="1"/>
+          <p:nvPr/>
+        </p:nvSpPr>
+        <p:spPr>
+          <a:xfrm>
+            <a:off x="3553786" y="2863773"/>
+            <a:ext cx="4396791" cy="353943"/>
+          </a:xfrm>
+          <a:prstGeom prst="rect">
+            <a:avLst/>
+          </a:prstGeom>
+          <a:noFill/>
+        </p:spPr>
+        <p:txBody>
+          <a:bodyPr wrap="square" rtlCol="0">
+            <a:spAutoFit/>
           </a:bodyPr>
           <a:lstStyle/>
           <a:p>
-            <a:pPr marL="457200" lvl="0" indent="-228600" rtl="0">
-              <a:spcBef>
-                <a:spcPts val="0"/>
-              </a:spcBef>
-            </a:pPr>
             <a:r>
-              <a:rPr lang="en"/>
-              <a:t>Database for League of Legends, a Japanese Anime Cartoon </a:t>
+              <a:rPr lang="en-US" sz="1700" dirty="0" smtClean="0">
+                <a:solidFill>
+                  <a:srgbClr val="FF0000"/>
+                </a:solidFill>
+              </a:rPr>
+              <a:t>(when logged in as a System Administrator)</a:t>
             </a:r>
-          </a:p>
-          <a:p>
-            <a:pPr marL="914400" lvl="1" indent="-228600" rtl="0">
-              <a:spcBef>
-                <a:spcPts val="0"/>
-              </a:spcBef>
-            </a:pPr>
-            <a:r>
-              <a:rPr lang="en"/>
-              <a:t>Many Champions race for “bars”</a:t>
-            </a:r>
-          </a:p>
-          <a:p>
-            <a:pPr marL="457200" lvl="0" indent="-228600" rtl="0">
-              <a:spcBef>
-                <a:spcPts val="0"/>
-              </a:spcBef>
-            </a:pPr>
-            <a:r>
-              <a:rPr lang="en"/>
-              <a:t>As Champions race, their stats come into play</a:t>
-            </a:r>
-          </a:p>
-          <a:p>
-            <a:pPr marL="914400" lvl="1" indent="-228600" rtl="0">
-              <a:spcBef>
-                <a:spcPts val="0"/>
-              </a:spcBef>
-            </a:pPr>
-            <a:r>
-              <a:rPr lang="en"/>
-              <a:t>Every Champion, or champ, has a specific role</a:t>
-            </a:r>
-          </a:p>
-          <a:p>
-            <a:pPr marL="914400" lvl="1" indent="-228600" rtl="0">
-              <a:spcBef>
-                <a:spcPts val="0"/>
-              </a:spcBef>
-            </a:pPr>
-            <a:r>
-              <a:rPr lang="en"/>
-              <a:t>Matches are always different, due to champs having specific stats</a:t>
-            </a:r>
-          </a:p>
-          <a:p>
-            <a:pPr marL="457200" lvl="0" indent="-228600" rtl="0">
-              <a:spcBef>
-                <a:spcPts val="0"/>
-              </a:spcBef>
-            </a:pPr>
-            <a:r>
-              <a:rPr lang="en"/>
-              <a:t>Navigate an application built to allow you to see champions, and their stats. </a:t>
-            </a:r>
-          </a:p>
-          <a:p>
-            <a:pPr marL="914400" lvl="1" indent="-228600" rtl="0">
-              <a:spcBef>
-                <a:spcPts val="0"/>
-              </a:spcBef>
-            </a:pPr>
-            <a:r>
-              <a:rPr lang="en"/>
-              <a:t>End user can toggle the viewing of whatever stats you would like to see</a:t>
-            </a:r>
-          </a:p>
-          <a:p>
-            <a:pPr marL="457200" lvl="0" indent="-228600" rtl="0">
-              <a:spcBef>
-                <a:spcPts val="0"/>
-              </a:spcBef>
-            </a:pPr>
-            <a:r>
-              <a:rPr lang="en"/>
-              <a:t>Keep Graphs comparing the stats visually.</a:t>
-            </a:r>
-          </a:p>
-          <a:p>
-            <a:pPr marL="914400" lvl="1" indent="-228600" rtl="0">
-              <a:spcBef>
-                <a:spcPts val="0"/>
-              </a:spcBef>
-            </a:pPr>
-            <a:r>
-              <a:rPr lang="en"/>
-              <a:t>Statistics shown visually for easy comparison.</a:t>
-            </a:r>
-          </a:p>
-          <a:p>
-            <a:pPr lvl="0" rtl="0">
-              <a:spcBef>
-                <a:spcPts val="0"/>
-              </a:spcBef>
-              <a:buNone/>
-            </a:pPr>
-            <a:endParaRPr/>
-          </a:p>
-        </p:txBody>
-      </p:sp>
+            <a:endParaRPr lang="en-US" sz="1700" dirty="0">
+              <a:solidFill>
+                <a:srgbClr val="FF0000"/>
+              </a:solidFill>
+            </a:endParaRPr>
+          </a:p>
+        </p:txBody>
+      </p:sp>
+      <p:cxnSp>
+        <p:nvCxnSpPr>
+          <p:cNvPr id="7" name="Straight Arrow Connector 6"/>
+          <p:cNvCxnSpPr/>
+          <p:nvPr/>
+        </p:nvCxnSpPr>
+        <p:spPr>
+          <a:xfrm rot="10800000">
+            <a:off x="3126245" y="3073307"/>
+            <a:ext cx="423345" cy="1588"/>
+          </a:xfrm>
+          <a:prstGeom prst="straightConnector1">
+            <a:avLst/>
+          </a:prstGeom>
+          <a:ln>
+            <a:solidFill>
+              <a:srgbClr val="FF0000"/>
+            </a:solidFill>
+            <a:tailEnd type="arrow"/>
+          </a:ln>
+        </p:spPr>
+        <p:style>
+          <a:lnRef idx="2">
+            <a:schemeClr val="accent1"/>
+          </a:lnRef>
+          <a:fillRef idx="0">
+            <a:schemeClr val="accent1"/>
+          </a:fillRef>
+          <a:effectRef idx="1">
+            <a:schemeClr val="accent1"/>
+          </a:effectRef>
+          <a:fontRef idx="minor">
+            <a:schemeClr val="tx1"/>
+          </a:fontRef>
+        </p:style>
+      </p:cxnSp>
     </p:spTree>
   </p:cSld>
   <p:clrMapOvr>
     <a:masterClrMapping/>
   </p:clrMapOvr>
-  <p:transition spd="slow">
-    <p:cut/>
-  </p:transition>
   <p:timing>
     <p:tnLst>
       <p:par>
@@ -7025,7 +7019,7 @@
   <p:cSld>
     <p:spTree>
       <p:nvGrpSpPr>
-        <p:cNvPr id="1" name="Shape 114"/>
+        <p:cNvPr id="1" name="Shape 78"/>
         <p:cNvGrpSpPr/>
         <p:nvPr/>
       </p:nvGrpSpPr>
@@ -7037,24 +7031,16 @@
           <a:chExt cx="0" cy="0"/>
         </a:xfrm>
       </p:grpSpPr>
-      <p:pic>
-        <p:nvPicPr>
-          <p:cNvPr id="115" name="Shape 115"/>
-          <p:cNvPicPr preferRelativeResize="0"/>
+      <p:sp>
+        <p:nvSpPr>
+          <p:cNvPr id="79" name="Shape 79"/>
+          <p:cNvSpPr txBox="1"/>
           <p:nvPr/>
-        </p:nvPicPr>
-        <p:blipFill>
-          <a:blip r:embed="rId3">
-            <a:alphaModFix/>
-          </a:blip>
-          <a:stretch>
-            <a:fillRect/>
-          </a:stretch>
-        </p:blipFill>
-        <p:spPr>
-          <a:xfrm>
-            <a:off x="931340" y="0"/>
-            <a:ext cx="2893220" cy="5143502"/>
+        </p:nvSpPr>
+        <p:spPr>
+          <a:xfrm>
+            <a:off x="393625" y="322650"/>
+            <a:ext cx="3775199" cy="684000"/>
           </a:xfrm>
           <a:prstGeom prst="rect">
             <a:avLst/>
@@ -7064,25 +7050,302 @@
             <a:noFill/>
           </a:ln>
         </p:spPr>
-      </p:pic>
-      <p:pic>
-        <p:nvPicPr>
-          <p:cNvPr id="116" name="Shape 116"/>
-          <p:cNvPicPr preferRelativeResize="0"/>
+        <p:txBody>
+          <a:bodyPr lIns="91425" tIns="91425" rIns="91425" bIns="91425" anchor="t" anchorCtr="0">
+            <a:noAutofit/>
+          </a:bodyPr>
+          <a:lstStyle/>
+          <a:p>
+            <a:pPr>
+              <a:spcBef>
+                <a:spcPts val="0"/>
+              </a:spcBef>
+              <a:buNone/>
+            </a:pPr>
+            <a:r>
+              <a:rPr lang="en"/>
+              <a:t>RFE Approval Flow</a:t>
+            </a:r>
+          </a:p>
+        </p:txBody>
+      </p:sp>
+      <p:sp>
+        <p:nvSpPr>
+          <p:cNvPr id="80" name="Shape 80"/>
+          <p:cNvSpPr/>
           <p:nvPr/>
-        </p:nvPicPr>
-        <p:blipFill>
-          <a:blip r:embed="rId4">
-            <a:alphaModFix/>
-          </a:blip>
-          <a:stretch>
-            <a:fillRect/>
-          </a:stretch>
-        </p:blipFill>
-        <p:spPr>
-          <a:xfrm>
-            <a:off x="5358140" y="0"/>
-            <a:ext cx="2893220" cy="5143502"/>
+        </p:nvSpPr>
+        <p:spPr>
+          <a:xfrm>
+            <a:off x="778900" y="1400275"/>
+            <a:ext cx="1587600" cy="890399"/>
+          </a:xfrm>
+          <a:prstGeom prst="rect">
+            <a:avLst/>
+          </a:prstGeom>
+          <a:solidFill>
+            <a:schemeClr val="lt2"/>
+          </a:solidFill>
+          <a:ln w="9525" cap="flat" cmpd="sng">
+            <a:solidFill>
+              <a:schemeClr val="dk2"/>
+            </a:solidFill>
+            <a:prstDash val="solid"/>
+            <a:round/>
+            <a:headEnd type="none" w="med" len="med"/>
+            <a:tailEnd type="none" w="med" len="med"/>
+          </a:ln>
+        </p:spPr>
+        <p:txBody>
+          <a:bodyPr lIns="91425" tIns="91425" rIns="91425" bIns="91425" anchor="ctr" anchorCtr="0">
+            <a:noAutofit/>
+          </a:bodyPr>
+          <a:lstStyle/>
+          <a:p>
+            <a:pPr>
+              <a:spcBef>
+                <a:spcPts val="0"/>
+              </a:spcBef>
+              <a:buNone/>
+            </a:pPr>
+            <a:endParaRPr/>
+          </a:p>
+        </p:txBody>
+      </p:sp>
+      <p:sp>
+        <p:nvSpPr>
+          <p:cNvPr id="81" name="Shape 81"/>
+          <p:cNvSpPr/>
+          <p:nvPr/>
+        </p:nvSpPr>
+        <p:spPr>
+          <a:xfrm>
+            <a:off x="3562100" y="438775"/>
+            <a:ext cx="1587600" cy="890399"/>
+          </a:xfrm>
+          <a:prstGeom prst="rect">
+            <a:avLst/>
+          </a:prstGeom>
+          <a:solidFill>
+            <a:schemeClr val="lt2"/>
+          </a:solidFill>
+          <a:ln w="9525" cap="flat" cmpd="sng">
+            <a:solidFill>
+              <a:schemeClr val="dk2"/>
+            </a:solidFill>
+            <a:prstDash val="solid"/>
+            <a:round/>
+            <a:headEnd type="none" w="med" len="med"/>
+            <a:tailEnd type="none" w="med" len="med"/>
+          </a:ln>
+        </p:spPr>
+        <p:txBody>
+          <a:bodyPr lIns="91425" tIns="91425" rIns="91425" bIns="91425" anchor="ctr" anchorCtr="0">
+            <a:noAutofit/>
+          </a:bodyPr>
+          <a:lstStyle/>
+          <a:p>
+            <a:pPr>
+              <a:spcBef>
+                <a:spcPts val="0"/>
+              </a:spcBef>
+              <a:buNone/>
+            </a:pPr>
+            <a:endParaRPr/>
+          </a:p>
+        </p:txBody>
+      </p:sp>
+      <p:sp>
+        <p:nvSpPr>
+          <p:cNvPr id="82" name="Shape 82"/>
+          <p:cNvSpPr/>
+          <p:nvPr/>
+        </p:nvSpPr>
+        <p:spPr>
+          <a:xfrm>
+            <a:off x="6499800" y="1329175"/>
+            <a:ext cx="1587600" cy="890399"/>
+          </a:xfrm>
+          <a:prstGeom prst="rect">
+            <a:avLst/>
+          </a:prstGeom>
+          <a:solidFill>
+            <a:schemeClr val="lt2"/>
+          </a:solidFill>
+          <a:ln w="9525" cap="flat" cmpd="sng">
+            <a:solidFill>
+              <a:schemeClr val="dk2"/>
+            </a:solidFill>
+            <a:prstDash val="solid"/>
+            <a:round/>
+            <a:headEnd type="none" w="med" len="med"/>
+            <a:tailEnd type="none" w="med" len="med"/>
+          </a:ln>
+        </p:spPr>
+        <p:txBody>
+          <a:bodyPr lIns="91425" tIns="91425" rIns="91425" bIns="91425" anchor="ctr" anchorCtr="0">
+            <a:noAutofit/>
+          </a:bodyPr>
+          <a:lstStyle/>
+          <a:p>
+            <a:pPr>
+              <a:spcBef>
+                <a:spcPts val="0"/>
+              </a:spcBef>
+              <a:buNone/>
+            </a:pPr>
+            <a:endParaRPr/>
+          </a:p>
+        </p:txBody>
+      </p:sp>
+      <p:sp>
+        <p:nvSpPr>
+          <p:cNvPr id="83" name="Shape 83"/>
+          <p:cNvSpPr/>
+          <p:nvPr/>
+        </p:nvSpPr>
+        <p:spPr>
+          <a:xfrm>
+            <a:off x="5835125" y="3793375"/>
+            <a:ext cx="1587600" cy="890399"/>
+          </a:xfrm>
+          <a:prstGeom prst="rect">
+            <a:avLst/>
+          </a:prstGeom>
+          <a:solidFill>
+            <a:schemeClr val="lt2"/>
+          </a:solidFill>
+          <a:ln w="9525" cap="flat" cmpd="sng">
+            <a:solidFill>
+              <a:schemeClr val="dk2"/>
+            </a:solidFill>
+            <a:prstDash val="solid"/>
+            <a:round/>
+            <a:headEnd type="none" w="med" len="med"/>
+            <a:tailEnd type="none" w="med" len="med"/>
+          </a:ln>
+        </p:spPr>
+        <p:txBody>
+          <a:bodyPr lIns="91425" tIns="91425" rIns="91425" bIns="91425" anchor="ctr" anchorCtr="0">
+            <a:noAutofit/>
+          </a:bodyPr>
+          <a:lstStyle/>
+          <a:p>
+            <a:pPr algn="ctr">
+              <a:spcBef>
+                <a:spcPts val="0"/>
+              </a:spcBef>
+              <a:buNone/>
+            </a:pPr>
+            <a:r>
+              <a:rPr lang="en"/>
+              <a:t>Chair Person</a:t>
+            </a:r>
+          </a:p>
+        </p:txBody>
+      </p:sp>
+      <p:sp>
+        <p:nvSpPr>
+          <p:cNvPr id="84" name="Shape 84"/>
+          <p:cNvSpPr/>
+          <p:nvPr/>
+        </p:nvSpPr>
+        <p:spPr>
+          <a:xfrm>
+            <a:off x="1843100" y="3728850"/>
+            <a:ext cx="1587600" cy="890399"/>
+          </a:xfrm>
+          <a:prstGeom prst="rect">
+            <a:avLst/>
+          </a:prstGeom>
+          <a:solidFill>
+            <a:schemeClr val="lt2"/>
+          </a:solidFill>
+          <a:ln w="9525" cap="flat" cmpd="sng">
+            <a:solidFill>
+              <a:schemeClr val="dk2"/>
+            </a:solidFill>
+            <a:prstDash val="solid"/>
+            <a:round/>
+            <a:headEnd type="none" w="med" len="med"/>
+            <a:tailEnd type="none" w="med" len="med"/>
+          </a:ln>
+        </p:spPr>
+        <p:txBody>
+          <a:bodyPr lIns="91425" tIns="91425" rIns="91425" bIns="91425" anchor="ctr" anchorCtr="0">
+            <a:noAutofit/>
+          </a:bodyPr>
+          <a:lstStyle/>
+          <a:p>
+            <a:pPr algn="ctr">
+              <a:spcBef>
+                <a:spcPts val="0"/>
+              </a:spcBef>
+              <a:buNone/>
+            </a:pPr>
+            <a:r>
+              <a:rPr lang="en"/>
+              <a:t>Executive Director</a:t>
+            </a:r>
+          </a:p>
+        </p:txBody>
+      </p:sp>
+      <p:sp>
+        <p:nvSpPr>
+          <p:cNvPr id="85" name="Shape 85"/>
+          <p:cNvSpPr/>
+          <p:nvPr/>
+        </p:nvSpPr>
+        <p:spPr>
+          <a:xfrm>
+            <a:off x="3614137" y="2107025"/>
+            <a:ext cx="1483500" cy="877800"/>
+          </a:xfrm>
+          <a:prstGeom prst="rect">
+            <a:avLst/>
+          </a:prstGeom>
+          <a:solidFill>
+            <a:srgbClr val="FF0000"/>
+          </a:solidFill>
+          <a:ln w="9525" cap="flat" cmpd="sng">
+            <a:solidFill>
+              <a:schemeClr val="dk2"/>
+            </a:solidFill>
+            <a:prstDash val="solid"/>
+            <a:round/>
+            <a:headEnd type="none" w="med" len="med"/>
+            <a:tailEnd type="none" w="med" len="med"/>
+          </a:ln>
+        </p:spPr>
+        <p:txBody>
+          <a:bodyPr lIns="91425" tIns="91425" rIns="91425" bIns="91425" anchor="ctr" anchorCtr="0">
+            <a:noAutofit/>
+          </a:bodyPr>
+          <a:lstStyle/>
+          <a:p>
+            <a:pPr algn="ctr">
+              <a:spcBef>
+                <a:spcPts val="0"/>
+              </a:spcBef>
+              <a:buNone/>
+            </a:pPr>
+            <a:r>
+              <a:rPr lang="en"/>
+              <a:t>REJECTED</a:t>
+            </a:r>
+          </a:p>
+        </p:txBody>
+      </p:sp>
+      <p:sp>
+        <p:nvSpPr>
+          <p:cNvPr id="86" name="Shape 86"/>
+          <p:cNvSpPr txBox="1"/>
+          <p:nvPr/>
+        </p:nvSpPr>
+        <p:spPr>
+          <a:xfrm>
+            <a:off x="1006675" y="1606825"/>
+            <a:ext cx="1114199" cy="438900"/>
           </a:xfrm>
           <a:prstGeom prst="rect">
             <a:avLst/>
@@ -7092,7 +7355,591 @@
             <a:noFill/>
           </a:ln>
         </p:spPr>
-      </p:pic>
+        <p:txBody>
+          <a:bodyPr lIns="91425" tIns="91425" rIns="91425" bIns="91425" anchor="t" anchorCtr="0">
+            <a:noAutofit/>
+          </a:bodyPr>
+          <a:lstStyle/>
+          <a:p>
+            <a:pPr rtl="0">
+              <a:spcBef>
+                <a:spcPts val="0"/>
+              </a:spcBef>
+              <a:buNone/>
+            </a:pPr>
+            <a:r>
+              <a:rPr lang="en"/>
+              <a:t>Requestor</a:t>
+            </a:r>
+          </a:p>
+          <a:p>
+            <a:pPr>
+              <a:spcBef>
+                <a:spcPts val="0"/>
+              </a:spcBef>
+              <a:buNone/>
+            </a:pPr>
+            <a:endParaRPr/>
+          </a:p>
+        </p:txBody>
+      </p:sp>
+      <p:sp>
+        <p:nvSpPr>
+          <p:cNvPr id="87" name="Shape 87"/>
+          <p:cNvSpPr txBox="1"/>
+          <p:nvPr/>
+        </p:nvSpPr>
+        <p:spPr>
+          <a:xfrm>
+            <a:off x="3926600" y="567750"/>
+            <a:ext cx="1013100" cy="438900"/>
+          </a:xfrm>
+          <a:prstGeom prst="rect">
+            <a:avLst/>
+          </a:prstGeom>
+          <a:noFill/>
+          <a:ln>
+            <a:noFill/>
+          </a:ln>
+        </p:spPr>
+        <p:txBody>
+          <a:bodyPr lIns="91425" tIns="91425" rIns="91425" bIns="91425" anchor="t" anchorCtr="0">
+            <a:noAutofit/>
+          </a:bodyPr>
+          <a:lstStyle/>
+          <a:p>
+            <a:pPr rtl="0">
+              <a:spcBef>
+                <a:spcPts val="0"/>
+              </a:spcBef>
+              <a:buNone/>
+            </a:pPr>
+            <a:r>
+              <a:rPr lang="en"/>
+              <a:t>System</a:t>
+            </a:r>
+          </a:p>
+          <a:p>
+            <a:pPr rtl="0">
+              <a:spcBef>
+                <a:spcPts val="0"/>
+              </a:spcBef>
+              <a:buNone/>
+            </a:pPr>
+            <a:r>
+              <a:rPr lang="en"/>
+              <a:t>Admin</a:t>
+            </a:r>
+          </a:p>
+          <a:p>
+            <a:pPr>
+              <a:spcBef>
+                <a:spcPts val="0"/>
+              </a:spcBef>
+              <a:buNone/>
+            </a:pPr>
+            <a:endParaRPr/>
+          </a:p>
+        </p:txBody>
+      </p:sp>
+      <p:sp>
+        <p:nvSpPr>
+          <p:cNvPr id="88" name="Shape 88"/>
+          <p:cNvSpPr txBox="1"/>
+          <p:nvPr/>
+        </p:nvSpPr>
+        <p:spPr>
+          <a:xfrm>
+            <a:off x="6799925" y="1486875"/>
+            <a:ext cx="987300" cy="509700"/>
+          </a:xfrm>
+          <a:prstGeom prst="rect">
+            <a:avLst/>
+          </a:prstGeom>
+          <a:noFill/>
+          <a:ln>
+            <a:noFill/>
+          </a:ln>
+        </p:spPr>
+        <p:txBody>
+          <a:bodyPr lIns="91425" tIns="91425" rIns="91425" bIns="91425" anchor="t" anchorCtr="0">
+            <a:noAutofit/>
+          </a:bodyPr>
+          <a:lstStyle/>
+          <a:p>
+            <a:pPr algn="ctr">
+              <a:spcBef>
+                <a:spcPts val="0"/>
+              </a:spcBef>
+              <a:buNone/>
+            </a:pPr>
+            <a:r>
+              <a:rPr lang="en"/>
+              <a:t>Lab Director</a:t>
+            </a:r>
+          </a:p>
+        </p:txBody>
+      </p:sp>
+      <p:sp>
+        <p:nvSpPr>
+          <p:cNvPr id="89" name="Shape 89"/>
+          <p:cNvSpPr/>
+          <p:nvPr/>
+        </p:nvSpPr>
+        <p:spPr>
+          <a:xfrm>
+            <a:off x="198100" y="2741550"/>
+            <a:ext cx="1161599" cy="987300"/>
+          </a:xfrm>
+          <a:prstGeom prst="heart">
+            <a:avLst/>
+          </a:prstGeom>
+          <a:solidFill>
+            <a:srgbClr val="FF00FF"/>
+          </a:solidFill>
+          <a:ln w="9525" cap="flat" cmpd="sng">
+            <a:solidFill>
+              <a:schemeClr val="dk2"/>
+            </a:solidFill>
+            <a:prstDash val="solid"/>
+            <a:round/>
+            <a:headEnd type="none" w="med" len="med"/>
+            <a:tailEnd type="none" w="med" len="med"/>
+          </a:ln>
+        </p:spPr>
+        <p:txBody>
+          <a:bodyPr lIns="91425" tIns="91425" rIns="91425" bIns="91425" anchor="ctr" anchorCtr="0">
+            <a:noAutofit/>
+          </a:bodyPr>
+          <a:lstStyle/>
+          <a:p>
+            <a:pPr algn="ctr">
+              <a:spcBef>
+                <a:spcPts val="0"/>
+              </a:spcBef>
+              <a:buNone/>
+            </a:pPr>
+            <a:r>
+              <a:rPr lang="en" sz="800"/>
+              <a:t>Approved!</a:t>
+            </a:r>
+          </a:p>
+        </p:txBody>
+      </p:sp>
+      <p:sp>
+        <p:nvSpPr>
+          <p:cNvPr id="90" name="Shape 90"/>
+          <p:cNvSpPr/>
+          <p:nvPr/>
+        </p:nvSpPr>
+        <p:spPr>
+          <a:xfrm rot="7724548">
+            <a:off x="1076306" y="3644054"/>
+            <a:ext cx="519637" cy="619292"/>
+          </a:xfrm>
+          <a:prstGeom prst="downArrow">
+            <a:avLst>
+              <a:gd name="adj1" fmla="val 50000"/>
+              <a:gd name="adj2" fmla="val 50000"/>
+            </a:avLst>
+          </a:prstGeom>
+          <a:solidFill>
+            <a:srgbClr val="00FF00"/>
+          </a:solidFill>
+          <a:ln w="9525" cap="flat" cmpd="sng">
+            <a:solidFill>
+              <a:schemeClr val="dk2"/>
+            </a:solidFill>
+            <a:prstDash val="solid"/>
+            <a:round/>
+            <a:headEnd type="none" w="med" len="med"/>
+            <a:tailEnd type="none" w="med" len="med"/>
+          </a:ln>
+        </p:spPr>
+        <p:txBody>
+          <a:bodyPr lIns="91425" tIns="91425" rIns="91425" bIns="91425" anchor="ctr" anchorCtr="0">
+            <a:noAutofit/>
+          </a:bodyPr>
+          <a:lstStyle/>
+          <a:p>
+            <a:pPr>
+              <a:spcBef>
+                <a:spcPts val="0"/>
+              </a:spcBef>
+              <a:buNone/>
+            </a:pPr>
+            <a:endParaRPr/>
+          </a:p>
+        </p:txBody>
+      </p:sp>
+      <p:sp>
+        <p:nvSpPr>
+          <p:cNvPr id="91" name="Shape 91"/>
+          <p:cNvSpPr/>
+          <p:nvPr/>
+        </p:nvSpPr>
+        <p:spPr>
+          <a:xfrm rot="5401986">
+            <a:off x="4373330" y="3864548"/>
+            <a:ext cx="519300" cy="618900"/>
+          </a:xfrm>
+          <a:prstGeom prst="downArrow">
+            <a:avLst>
+              <a:gd name="adj1" fmla="val 50000"/>
+              <a:gd name="adj2" fmla="val 50000"/>
+            </a:avLst>
+          </a:prstGeom>
+          <a:solidFill>
+            <a:srgbClr val="00FF00"/>
+          </a:solidFill>
+          <a:ln w="9525" cap="flat" cmpd="sng">
+            <a:solidFill>
+              <a:schemeClr val="dk2"/>
+            </a:solidFill>
+            <a:prstDash val="solid"/>
+            <a:round/>
+            <a:headEnd type="none" w="med" len="med"/>
+            <a:tailEnd type="none" w="med" len="med"/>
+          </a:ln>
+        </p:spPr>
+        <p:txBody>
+          <a:bodyPr lIns="91425" tIns="91425" rIns="91425" bIns="91425" anchor="ctr" anchorCtr="0">
+            <a:noAutofit/>
+          </a:bodyPr>
+          <a:lstStyle/>
+          <a:p>
+            <a:pPr>
+              <a:spcBef>
+                <a:spcPts val="0"/>
+              </a:spcBef>
+              <a:buNone/>
+            </a:pPr>
+            <a:endParaRPr/>
+          </a:p>
+        </p:txBody>
+      </p:sp>
+      <p:sp>
+        <p:nvSpPr>
+          <p:cNvPr id="92" name="Shape 92"/>
+          <p:cNvSpPr/>
+          <p:nvPr/>
+        </p:nvSpPr>
+        <p:spPr>
+          <a:xfrm rot="-7331682">
+            <a:off x="2704467" y="941648"/>
+            <a:ext cx="519709" cy="619339"/>
+          </a:xfrm>
+          <a:prstGeom prst="downArrow">
+            <a:avLst>
+              <a:gd name="adj1" fmla="val 50000"/>
+              <a:gd name="adj2" fmla="val 50000"/>
+            </a:avLst>
+          </a:prstGeom>
+          <a:solidFill>
+            <a:srgbClr val="00FF00"/>
+          </a:solidFill>
+          <a:ln w="9525" cap="flat" cmpd="sng">
+            <a:solidFill>
+              <a:schemeClr val="dk2"/>
+            </a:solidFill>
+            <a:prstDash val="solid"/>
+            <a:round/>
+            <a:headEnd type="none" w="med" len="med"/>
+            <a:tailEnd type="none" w="med" len="med"/>
+          </a:ln>
+        </p:spPr>
+        <p:txBody>
+          <a:bodyPr lIns="91425" tIns="91425" rIns="91425" bIns="91425" anchor="ctr" anchorCtr="0">
+            <a:noAutofit/>
+          </a:bodyPr>
+          <a:lstStyle/>
+          <a:p>
+            <a:pPr>
+              <a:spcBef>
+                <a:spcPts val="0"/>
+              </a:spcBef>
+              <a:buNone/>
+            </a:pPr>
+            <a:endParaRPr/>
+          </a:p>
+        </p:txBody>
+      </p:sp>
+      <p:sp>
+        <p:nvSpPr>
+          <p:cNvPr id="93" name="Shape 93"/>
+          <p:cNvSpPr/>
+          <p:nvPr/>
+        </p:nvSpPr>
+        <p:spPr>
+          <a:xfrm rot="-3034536">
+            <a:off x="5564854" y="780774"/>
+            <a:ext cx="519636" cy="619160"/>
+          </a:xfrm>
+          <a:prstGeom prst="downArrow">
+            <a:avLst>
+              <a:gd name="adj1" fmla="val 50000"/>
+              <a:gd name="adj2" fmla="val 50000"/>
+            </a:avLst>
+          </a:prstGeom>
+          <a:solidFill>
+            <a:srgbClr val="00FF00"/>
+          </a:solidFill>
+          <a:ln w="9525" cap="flat" cmpd="sng">
+            <a:solidFill>
+              <a:schemeClr val="dk2"/>
+            </a:solidFill>
+            <a:prstDash val="solid"/>
+            <a:round/>
+            <a:headEnd type="none" w="med" len="med"/>
+            <a:tailEnd type="none" w="med" len="med"/>
+          </a:ln>
+        </p:spPr>
+        <p:txBody>
+          <a:bodyPr lIns="91425" tIns="91425" rIns="91425" bIns="91425" anchor="ctr" anchorCtr="0">
+            <a:noAutofit/>
+          </a:bodyPr>
+          <a:lstStyle/>
+          <a:p>
+            <a:pPr>
+              <a:spcBef>
+                <a:spcPts val="0"/>
+              </a:spcBef>
+              <a:buNone/>
+            </a:pPr>
+            <a:endParaRPr/>
+          </a:p>
+        </p:txBody>
+      </p:sp>
+      <p:sp>
+        <p:nvSpPr>
+          <p:cNvPr id="94" name="Shape 94"/>
+          <p:cNvSpPr/>
+          <p:nvPr/>
+        </p:nvSpPr>
+        <p:spPr>
+          <a:xfrm rot="1333522">
+            <a:off x="6532172" y="2696926"/>
+            <a:ext cx="519496" cy="619052"/>
+          </a:xfrm>
+          <a:prstGeom prst="downArrow">
+            <a:avLst>
+              <a:gd name="adj1" fmla="val 50000"/>
+              <a:gd name="adj2" fmla="val 50000"/>
+            </a:avLst>
+          </a:prstGeom>
+          <a:solidFill>
+            <a:srgbClr val="00FF00"/>
+          </a:solidFill>
+          <a:ln w="9525" cap="flat" cmpd="sng">
+            <a:solidFill>
+              <a:schemeClr val="dk2"/>
+            </a:solidFill>
+            <a:prstDash val="solid"/>
+            <a:round/>
+            <a:headEnd type="none" w="med" len="med"/>
+            <a:tailEnd type="none" w="med" len="med"/>
+          </a:ln>
+        </p:spPr>
+        <p:txBody>
+          <a:bodyPr lIns="91425" tIns="91425" rIns="91425" bIns="91425" anchor="ctr" anchorCtr="0">
+            <a:noAutofit/>
+          </a:bodyPr>
+          <a:lstStyle/>
+          <a:p>
+            <a:pPr>
+              <a:spcBef>
+                <a:spcPts val="0"/>
+              </a:spcBef>
+              <a:buNone/>
+            </a:pPr>
+            <a:endParaRPr/>
+          </a:p>
+        </p:txBody>
+      </p:sp>
+      <p:sp>
+        <p:nvSpPr>
+          <p:cNvPr id="95" name="Shape 95"/>
+          <p:cNvSpPr/>
+          <p:nvPr/>
+        </p:nvSpPr>
+        <p:spPr>
+          <a:xfrm>
+            <a:off x="4194500" y="1529375"/>
+            <a:ext cx="209399" cy="405000"/>
+          </a:xfrm>
+          <a:prstGeom prst="downArrow">
+            <a:avLst>
+              <a:gd name="adj1" fmla="val 50000"/>
+              <a:gd name="adj2" fmla="val 50000"/>
+            </a:avLst>
+          </a:prstGeom>
+          <a:solidFill>
+            <a:srgbClr val="FF9900"/>
+          </a:solidFill>
+          <a:ln w="9525" cap="flat" cmpd="sng">
+            <a:solidFill>
+              <a:schemeClr val="dk2"/>
+            </a:solidFill>
+            <a:prstDash val="solid"/>
+            <a:round/>
+            <a:headEnd type="none" w="med" len="med"/>
+            <a:tailEnd type="none" w="med" len="med"/>
+          </a:ln>
+        </p:spPr>
+        <p:txBody>
+          <a:bodyPr lIns="91425" tIns="91425" rIns="91425" bIns="91425" anchor="ctr" anchorCtr="0">
+            <a:noAutofit/>
+          </a:bodyPr>
+          <a:lstStyle/>
+          <a:p>
+            <a:pPr>
+              <a:spcBef>
+                <a:spcPts val="0"/>
+              </a:spcBef>
+              <a:buNone/>
+            </a:pPr>
+            <a:endParaRPr/>
+          </a:p>
+        </p:txBody>
+      </p:sp>
+      <p:sp>
+        <p:nvSpPr>
+          <p:cNvPr id="96" name="Shape 96"/>
+          <p:cNvSpPr/>
+          <p:nvPr/>
+        </p:nvSpPr>
+        <p:spPr>
+          <a:xfrm rot="3541329">
+            <a:off x="5835161" y="1996534"/>
+            <a:ext cx="209245" cy="404908"/>
+          </a:xfrm>
+          <a:prstGeom prst="downArrow">
+            <a:avLst>
+              <a:gd name="adj1" fmla="val 50000"/>
+              <a:gd name="adj2" fmla="val 50000"/>
+            </a:avLst>
+          </a:prstGeom>
+          <a:solidFill>
+            <a:srgbClr val="FF9900"/>
+          </a:solidFill>
+          <a:ln w="9525" cap="flat" cmpd="sng">
+            <a:solidFill>
+              <a:schemeClr val="dk2"/>
+            </a:solidFill>
+            <a:prstDash val="solid"/>
+            <a:round/>
+            <a:headEnd type="none" w="med" len="med"/>
+            <a:tailEnd type="none" w="med" len="med"/>
+          </a:ln>
+        </p:spPr>
+        <p:txBody>
+          <a:bodyPr lIns="91425" tIns="91425" rIns="91425" bIns="91425" anchor="ctr" anchorCtr="0">
+            <a:noAutofit/>
+          </a:bodyPr>
+          <a:lstStyle/>
+          <a:p>
+            <a:pPr>
+              <a:spcBef>
+                <a:spcPts val="0"/>
+              </a:spcBef>
+              <a:buNone/>
+            </a:pPr>
+            <a:endParaRPr/>
+          </a:p>
+        </p:txBody>
+      </p:sp>
+      <p:sp>
+        <p:nvSpPr>
+          <p:cNvPr id="97" name="Shape 97"/>
+          <p:cNvSpPr/>
+          <p:nvPr/>
+        </p:nvSpPr>
+        <p:spPr>
+          <a:xfrm rot="8648854">
+            <a:off x="5460717" y="3214026"/>
+            <a:ext cx="209493" cy="405001"/>
+          </a:xfrm>
+          <a:prstGeom prst="downArrow">
+            <a:avLst>
+              <a:gd name="adj1" fmla="val 50000"/>
+              <a:gd name="adj2" fmla="val 50000"/>
+            </a:avLst>
+          </a:prstGeom>
+          <a:solidFill>
+            <a:srgbClr val="FF9900"/>
+          </a:solidFill>
+          <a:ln w="9525" cap="flat" cmpd="sng">
+            <a:solidFill>
+              <a:schemeClr val="dk2"/>
+            </a:solidFill>
+            <a:prstDash val="solid"/>
+            <a:round/>
+            <a:headEnd type="none" w="med" len="med"/>
+            <a:tailEnd type="none" w="med" len="med"/>
+          </a:ln>
+        </p:spPr>
+        <p:txBody>
+          <a:bodyPr lIns="91425" tIns="91425" rIns="91425" bIns="91425" anchor="ctr" anchorCtr="0">
+            <a:noAutofit/>
+          </a:bodyPr>
+          <a:lstStyle/>
+          <a:p>
+            <a:pPr>
+              <a:spcBef>
+                <a:spcPts val="0"/>
+              </a:spcBef>
+              <a:buNone/>
+            </a:pPr>
+            <a:endParaRPr/>
+          </a:p>
+        </p:txBody>
+      </p:sp>
+      <p:sp>
+        <p:nvSpPr>
+          <p:cNvPr id="98" name="Shape 98"/>
+          <p:cNvSpPr/>
+          <p:nvPr/>
+        </p:nvSpPr>
+        <p:spPr>
+          <a:xfrm rot="-7768795">
+            <a:off x="3179981" y="3087700"/>
+            <a:ext cx="209497" cy="404895"/>
+          </a:xfrm>
+          <a:prstGeom prst="downArrow">
+            <a:avLst>
+              <a:gd name="adj1" fmla="val 50000"/>
+              <a:gd name="adj2" fmla="val 50000"/>
+            </a:avLst>
+          </a:prstGeom>
+          <a:solidFill>
+            <a:srgbClr val="FF9900"/>
+          </a:solidFill>
+          <a:ln w="9525" cap="flat" cmpd="sng">
+            <a:solidFill>
+              <a:schemeClr val="dk2"/>
+            </a:solidFill>
+            <a:prstDash val="solid"/>
+            <a:round/>
+            <a:headEnd type="none" w="med" len="med"/>
+            <a:tailEnd type="none" w="med" len="med"/>
+          </a:ln>
+        </p:spPr>
+        <p:txBody>
+          <a:bodyPr lIns="91425" tIns="91425" rIns="91425" bIns="91425" anchor="ctr" anchorCtr="0">
+            <a:noAutofit/>
+          </a:bodyPr>
+          <a:lstStyle/>
+          <a:p>
+            <a:pPr>
+              <a:spcBef>
+                <a:spcPts val="0"/>
+              </a:spcBef>
+              <a:buNone/>
+            </a:pPr>
+            <a:endParaRPr/>
+          </a:p>
+        </p:txBody>
+      </p:sp>
     </p:spTree>
   </p:cSld>
   <p:clrMapOvr>
